--- a/Presentation.pptx
+++ b/Presentation.pptx
@@ -112,6 +112,11 @@
       </a:defRPr>
     </a:lvl9pPr>
   </p:defaultTextStyle>
+  <p:extLst>
+    <p:ext uri="{EFAFB233-063F-42B5-8137-9DF3F51BA10A}">
+      <p15:sldGuideLst xmlns:p15="http://schemas.microsoft.com/office/powerpoint/2012/main"/>
+    </p:ext>
+  </p:extLst>
 </p:presentation>
 </file>
 
@@ -4723,7 +4728,7 @@
 <dgm:dataModel xmlns:dgm="http://schemas.openxmlformats.org/drawingml/2006/diagram" xmlns:a="http://schemas.openxmlformats.org/drawingml/2006/main">
   <dgm:ptLst>
     <dgm:pt modelId="{B9224E7A-1211-489D-A205-D785DD9B3F46}" type="doc">
-      <dgm:prSet loTypeId="urn:microsoft.com/office/officeart/2005/8/layout/list1" loCatId="list" qsTypeId="urn:microsoft.com/office/officeart/2005/8/quickstyle/simple1" qsCatId="simple" csTypeId="urn:microsoft.com/office/officeart/2005/8/colors/accent2_2" csCatId="accent2"/>
+      <dgm:prSet loTypeId="urn:microsoft.com/office/officeart/2005/8/layout/list1" loCatId="list" qsTypeId="urn:microsoft.com/office/officeart/2005/8/quickstyle/simple1" qsCatId="simple" csTypeId="urn:microsoft.com/office/officeart/2005/8/colors/accent2_2" csCatId="accent2" phldr="1"/>
       <dgm:spPr/>
       <dgm:t>
         <a:bodyPr/>
@@ -4777,8 +4782,8 @@
         <a:lstStyle/>
         <a:p>
           <a:r>
-            <a:rPr lang="en-US"/>
-            <a:t>[ 2-bit instruction type] [ 5-bit opcode] [19 extra bits] [6 RD ] [ 32 IMM ]</a:t>
+            <a:rPr lang="en-US" dirty="0"/>
+            <a:t>[ 2-bit instruction type] [ 5-bit opcode] [13 extra bits] [6 RS] [6 RD ] [ 32 IMM ]</a:t>
           </a:r>
         </a:p>
       </dgm:t>
@@ -4885,8 +4890,8 @@
         <a:lstStyle/>
         <a:p>
           <a:r>
-            <a:rPr lang="en-US"/>
-            <a:t>[ 2-bit instruction type] [ 5-bit opcode][24 extra bits][6 RT][6 RD][6 RS]</a:t>
+            <a:rPr lang="en-US" dirty="0"/>
+            <a:t>[ 2-bit instruction type] [ 5-bit opcode][39 extra bits][6 RT][6 RD][6 RS]</a:t>
           </a:r>
         </a:p>
       </dgm:t>
@@ -5209,8 +5214,8 @@
         <a:lstStyle/>
         <a:p>
           <a:r>
-            <a:rPr lang="en-US"/>
-            <a:t>2-bit instruction type][5-bit opcode][6 RD] [32 IMM][19 bit offset]</a:t>
+            <a:rPr lang="en-US" dirty="0"/>
+            <a:t>[2-bit instruction type][5-bit opcode][6 RD] [32 IMM][19 bit offset]</a:t>
           </a:r>
         </a:p>
       </dgm:t>
@@ -5389,8 +5394,8 @@
         <a:lstStyle/>
         <a:p>
           <a:r>
-            <a:rPr lang="en-US"/>
-            <a:t>[2-bit instruction type][5-bit opcode’[45 extra bits][6 RD][6-bit address]</a:t>
+            <a:rPr lang="en-US" dirty="0"/>
+            <a:t>[2-bit instruction type][5-bit opcode][45 extra bits][6 RD][6-bit address]</a:t>
           </a:r>
         </a:p>
       </dgm:t>
@@ -6001,7 +6006,7 @@
   <dgm:whole/>
   <dgm:extLst>
     <a:ext uri="http://schemas.microsoft.com/office/drawing/2008/diagram">
-      <dsp:dataModelExt xmlns:dsp="http://schemas.microsoft.com/office/drawing/2008/diagram" relId="rId8" minVer="http://schemas.openxmlformats.org/drawingml/2006/diagram"/>
+      <dsp:dataModelExt xmlns:dsp="http://schemas.microsoft.com/office/drawing/2008/diagram" relId="rId7" minVer="http://schemas.openxmlformats.org/drawingml/2006/diagram"/>
     </a:ext>
   </dgm:extLst>
 </dgm:dataModel>
@@ -7546,8 +7551,8 @@
             <a:buChar char="•"/>
           </a:pPr>
           <a:r>
-            <a:rPr lang="en-US" sz="1200" kern="1200"/>
-            <a:t>[ 2-bit instruction type] [ 5-bit opcode] [19 extra bits] [6 RD ] [ 32 IMM ]</a:t>
+            <a:rPr lang="en-US" sz="1200" kern="1200" dirty="0"/>
+            <a:t>[ 2-bit instruction type] [ 5-bit opcode] [13 extra bits] [6 RS] [6 RD ] [ 32 IMM ]</a:t>
           </a:r>
         </a:p>
         <a:p>
@@ -7719,8 +7724,8 @@
             <a:buChar char="•"/>
           </a:pPr>
           <a:r>
-            <a:rPr lang="en-US" sz="1200" kern="1200"/>
-            <a:t>[ 2-bit instruction type] [ 5-bit opcode][24 extra bits][6 RT][6 RD][6 RS]</a:t>
+            <a:rPr lang="en-US" sz="1200" kern="1200" dirty="0"/>
+            <a:t>[ 2-bit instruction type] [ 5-bit opcode][39 extra bits][6 RT][6 RD][6 RS]</a:t>
           </a:r>
         </a:p>
         <a:p>
@@ -8000,8 +8005,8 @@
             <a:buChar char="•"/>
           </a:pPr>
           <a:r>
-            <a:rPr lang="en-US" sz="1200" kern="1200"/>
-            <a:t>2-bit instruction type][5-bit opcode][6 RD] [32 IMM][19 bit offset]</a:t>
+            <a:rPr lang="en-US" sz="1200" kern="1200" dirty="0"/>
+            <a:t>[2-bit instruction type][5-bit opcode][6 RD] [32 IMM][19 bit offset]</a:t>
           </a:r>
         </a:p>
         <a:p>
@@ -8209,8 +8214,8 @@
             <a:buChar char="•"/>
           </a:pPr>
           <a:r>
-            <a:rPr lang="en-US" sz="1200" kern="1200"/>
-            <a:t>[2-bit instruction type][5-bit opcode’[45 extra bits][6 RD][6-bit address]</a:t>
+            <a:rPr lang="en-US" sz="1200" kern="1200" dirty="0"/>
+            <a:t>[2-bit instruction type][5-bit opcode][45 extra bits][6 RD][6-bit address]</a:t>
           </a:r>
         </a:p>
         <a:p>
@@ -15969,7 +15974,7 @@
           <a:p>
             <a:fld id="{7897B7B6-59F2-43D3-814A-837730661348}" type="datetimeFigureOut">
               <a:rPr lang="en-US" smtClean="0"/>
-              <a:t>4/5/2021</a:t>
+              <a:t>4/6/2021</a:t>
             </a:fld>
             <a:endParaRPr lang="en-US"/>
           </a:p>
@@ -16485,7 +16490,7 @@
           <a:p>
             <a:fld id="{72EA7947-E287-4738-8C82-07CE4F01EF03}" type="datetime2">
               <a:rPr lang="en-US" smtClean="0"/>
-              <a:t>Monday, April 05, 2021</a:t>
+              <a:t>Tuesday, April 06, 2021</a:t>
             </a:fld>
             <a:endParaRPr lang="en-US" dirty="0"/>
           </a:p>
@@ -17521,7 +17526,7 @@
           <a:p>
             <a:fld id="{EE2EBD84-71F4-4271-8C46-0D47C0A9B12E}" type="datetime2">
               <a:rPr lang="en-US" smtClean="0"/>
-              <a:t>Monday, April 05, 2021</a:t>
+              <a:t>Tuesday, April 06, 2021</a:t>
             </a:fld>
             <a:endParaRPr lang="en-US"/>
           </a:p>
@@ -17732,7 +17737,7 @@
           <a:p>
             <a:fld id="{ABAE0CE1-F450-4107-B2CB-17B18F8A3F4A}" type="datetime2">
               <a:rPr lang="en-US" smtClean="0"/>
-              <a:t>Monday, April 05, 2021</a:t>
+              <a:t>Tuesday, April 06, 2021</a:t>
             </a:fld>
             <a:endParaRPr lang="en-US"/>
           </a:p>
@@ -18397,7 +18402,7 @@
           <a:p>
             <a:fld id="{6FE8C025-CD7A-4966-867E-81CF82B15267}" type="datetime2">
               <a:rPr lang="en-US" smtClean="0"/>
-              <a:t>Monday, April 05, 2021</a:t>
+              <a:t>Tuesday, April 06, 2021</a:t>
             </a:fld>
             <a:endParaRPr lang="en-US"/>
           </a:p>
@@ -19017,7 +19022,7 @@
           <a:p>
             <a:fld id="{FE809929-0719-4517-94D6-FDF7F99E70F6}" type="datetime2">
               <a:rPr lang="en-US" smtClean="0"/>
-              <a:t>Monday, April 05, 2021</a:t>
+              <a:t>Tuesday, April 06, 2021</a:t>
             </a:fld>
             <a:endParaRPr lang="en-US"/>
           </a:p>
@@ -20135,7 +20140,7 @@
           <a:p>
             <a:fld id="{20E95673-5512-4AAA-9AEB-E00C61EC65D5}" type="datetime2">
               <a:rPr lang="en-US" smtClean="0"/>
-              <a:t>Monday, April 05, 2021</a:t>
+              <a:t>Tuesday, April 06, 2021</a:t>
             </a:fld>
             <a:endParaRPr lang="en-US"/>
           </a:p>
@@ -20682,7 +20687,7 @@
           <a:p>
             <a:fld id="{C13138FA-2E87-4873-8BBA-13E447C9A99A}" type="datetime2">
               <a:rPr lang="en-US" smtClean="0"/>
-              <a:t>Monday, April 05, 2021</a:t>
+              <a:t>Tuesday, April 06, 2021</a:t>
             </a:fld>
             <a:endParaRPr lang="en-US"/>
           </a:p>
@@ -20843,7 +20848,7 @@
           <a:p>
             <a:fld id="{D75BB40A-97BD-4BFB-B639-0BFF95FDE8B7}" type="datetime2">
               <a:rPr lang="en-US" smtClean="0"/>
-              <a:t>Monday, April 05, 2021</a:t>
+              <a:t>Tuesday, April 06, 2021</a:t>
             </a:fld>
             <a:endParaRPr lang="en-US"/>
           </a:p>
@@ -21878,7 +21883,7 @@
           <a:p>
             <a:fld id="{9EE9E0E3-ECF6-4CFE-8698-AEFEBCECC3C0}" type="datetime2">
               <a:rPr lang="en-US" smtClean="0"/>
-              <a:t>Monday, April 05, 2021</a:t>
+              <a:t>Tuesday, April 06, 2021</a:t>
             </a:fld>
             <a:endParaRPr lang="en-US"/>
           </a:p>
@@ -22524,7 +22529,7 @@
           <a:p>
             <a:fld id="{251462FC-960E-4740-921F-B36862979F21}" type="datetime2">
               <a:rPr lang="en-US" smtClean="0"/>
-              <a:t>Monday, April 05, 2021</a:t>
+              <a:t>Tuesday, April 06, 2021</a:t>
             </a:fld>
             <a:endParaRPr lang="en-US"/>
           </a:p>
@@ -23288,7 +23293,7 @@
           <a:p>
             <a:fld id="{E50BC9E2-CB44-4C05-9BB5-496C18A241E0}" type="datetime2">
               <a:rPr lang="en-US" smtClean="0"/>
-              <a:t>Monday, April 05, 2021</a:t>
+              <a:t>Tuesday, April 06, 2021</a:t>
             </a:fld>
             <a:endParaRPr lang="en-US"/>
           </a:p>
@@ -23541,7 +23546,7 @@
           <a:p>
             <a:fld id="{246CB39B-5F4C-4A7E-9BE3-AAFD45576D16}" type="datetime2">
               <a:rPr lang="en-US" smtClean="0"/>
-              <a:t>Monday, April 05, 2021</a:t>
+              <a:t>Tuesday, April 06, 2021</a:t>
             </a:fld>
             <a:endParaRPr lang="en-US" dirty="0"/>
           </a:p>
@@ -26461,7 +26466,7 @@
             <p:ph idx="1"/>
             <p:extLst>
               <p:ext uri="{D42A27DB-BD31-4B8C-83A1-F6EECF244321}">
-                <p14:modId xmlns:p14="http://schemas.microsoft.com/office/powerpoint/2010/main" val="1349381988"/>
+                <p14:modId xmlns:p14="http://schemas.microsoft.com/office/powerpoint/2010/main" val="887369676"/>
               </p:ext>
             </p:extLst>
           </p:nvPr>
@@ -26534,38 +26539,6 @@
           </a:p>
         </p:txBody>
       </p:sp>
-      <p:pic>
-        <p:nvPicPr>
-          <p:cNvPr id="4" name="Content Placeholder 3" descr="Text&#10;&#10;Description automatically generated">
-            <a:extLst>
-              <a:ext uri="{FF2B5EF4-FFF2-40B4-BE49-F238E27FC236}">
-                <a16:creationId xmlns:a16="http://schemas.microsoft.com/office/drawing/2014/main" id="{8F570CAD-50ED-4E87-9101-FF1B11019DD4}"/>
-              </a:ext>
-            </a:extLst>
-          </p:cNvPr>
-          <p:cNvPicPr>
-            <a:picLocks noGrp="1" noChangeAspect="1"/>
-          </p:cNvPicPr>
-          <p:nvPr>
-            <p:ph idx="1"/>
-          </p:nvPr>
-        </p:nvPicPr>
-        <p:blipFill>
-          <a:blip r:embed="rId3"/>
-          <a:stretch>
-            <a:fillRect/>
-          </a:stretch>
-        </p:blipFill>
-        <p:spPr>
-          <a:xfrm>
-            <a:off x="7366693" y="217688"/>
-            <a:ext cx="3783527" cy="6422624"/>
-          </a:xfrm>
-          <a:prstGeom prst="rect">
-            <a:avLst/>
-          </a:prstGeom>
-        </p:spPr>
-      </p:pic>
       <p:graphicFrame>
         <p:nvGraphicFramePr>
           <p:cNvPr id="9" name="Content Placeholder 2">
@@ -26584,10 +26557,40 @@
         </p:xfrm>
         <a:graphic>
           <a:graphicData uri="http://schemas.openxmlformats.org/drawingml/2006/diagram">
-            <dgm:relIds xmlns:dgm="http://schemas.openxmlformats.org/drawingml/2006/diagram" xmlns:r="http://schemas.openxmlformats.org/officeDocument/2006/relationships" r:dm="rId4" r:lo="rId5" r:qs="rId6" r:cs="rId7"/>
+            <dgm:relIds xmlns:dgm="http://schemas.openxmlformats.org/drawingml/2006/diagram" xmlns:r="http://schemas.openxmlformats.org/officeDocument/2006/relationships" r:dm="rId3" r:lo="rId4" r:qs="rId5" r:cs="rId6"/>
           </a:graphicData>
         </a:graphic>
       </p:graphicFrame>
+      <p:pic>
+        <p:nvPicPr>
+          <p:cNvPr id="7" name="Picture 6">
+            <a:extLst>
+              <a:ext uri="{FF2B5EF4-FFF2-40B4-BE49-F238E27FC236}">
+                <a16:creationId xmlns:a16="http://schemas.microsoft.com/office/drawing/2014/main" id="{4891BF64-9AEF-41F8-9D43-3B3273105B02}"/>
+              </a:ext>
+            </a:extLst>
+          </p:cNvPr>
+          <p:cNvPicPr>
+            <a:picLocks noChangeAspect="1"/>
+          </p:cNvPicPr>
+          <p:nvPr/>
+        </p:nvPicPr>
+        <p:blipFill>
+          <a:blip r:embed="rId8"/>
+          <a:stretch>
+            <a:fillRect/>
+          </a:stretch>
+        </p:blipFill>
+        <p:spPr>
+          <a:xfrm>
+            <a:off x="7674120" y="219634"/>
+            <a:ext cx="4226325" cy="6418731"/>
+          </a:xfrm>
+          <a:prstGeom prst="rect">
+            <a:avLst/>
+          </a:prstGeom>
+        </p:spPr>
+      </p:pic>
     </p:spTree>
     <p:extLst>
       <p:ext uri="{BB962C8B-B14F-4D97-AF65-F5344CB8AC3E}">

--- a/Presentation.pptx
+++ b/Presentation.pptx
@@ -6016,7 +6016,7 @@
 <dgm:dataModel xmlns:dgm="http://schemas.openxmlformats.org/drawingml/2006/diagram" xmlns:a="http://schemas.openxmlformats.org/drawingml/2006/main">
   <dgm:ptLst>
     <dgm:pt modelId="{F03D914F-B906-4777-B4D7-755DD7A5B697}" type="doc">
-      <dgm:prSet loTypeId="urn:microsoft.com/office/officeart/2018/2/layout/IconLabelDescriptionList" loCatId="icon" qsTypeId="urn:microsoft.com/office/officeart/2005/8/quickstyle/simple1" qsCatId="simple" csTypeId="urn:microsoft.com/office/officeart/2005/8/colors/accent1_2" csCatId="accent1" phldr="1"/>
+      <dgm:prSet loTypeId="urn:microsoft.com/office/officeart/2018/5/layout/CenteredIconLabelDescriptionList" loCatId="icon" qsTypeId="urn:microsoft.com/office/officeart/2005/8/quickstyle/simple1" qsCatId="simple" csTypeId="urn:microsoft.com/office/officeart/2005/8/colors/accent1_2" csCatId="accent1" phldr="1"/>
       <dgm:spPr/>
       <dgm:t>
         <a:bodyPr/>
@@ -6040,9 +6040,10 @@
             <a:defRPr b="1"/>
           </a:pPr>
           <a:r>
-            <a:rPr lang="en-US" dirty="0"/>
+            <a:rPr lang="en-US"/>
             <a:t>What type of processor we wanted</a:t>
           </a:r>
+          <a:endParaRPr lang="en-US" dirty="0"/>
         </a:p>
       </dgm:t>
     </dgm:pt>
@@ -6081,9 +6082,10 @@
             </a:lnSpc>
           </a:pPr>
           <a:r>
-            <a:rPr lang="en-US" dirty="0"/>
+            <a:rPr lang="en-US"/>
             <a:t>Graphics?</a:t>
           </a:r>
+          <a:endParaRPr lang="en-US" dirty="0"/>
         </a:p>
       </dgm:t>
     </dgm:pt>
@@ -6122,9 +6124,10 @@
             </a:lnSpc>
           </a:pPr>
           <a:r>
-            <a:rPr lang="en-US" dirty="0"/>
+            <a:rPr lang="en-US"/>
             <a:t>Audio?</a:t>
           </a:r>
+          <a:endParaRPr lang="en-US" dirty="0"/>
         </a:p>
       </dgm:t>
     </dgm:pt>
@@ -6163,9 +6166,10 @@
             </a:lnSpc>
           </a:pPr>
           <a:r>
-            <a:rPr lang="en-US" dirty="0"/>
+            <a:rPr lang="en-US"/>
             <a:t>128-bit processor?</a:t>
           </a:r>
+          <a:endParaRPr lang="en-US" dirty="0"/>
         </a:p>
       </dgm:t>
     </dgm:pt>
@@ -6249,6 +6253,7 @@
             <a:rPr lang="en-US"/>
             <a:t>Scheduling times to work together</a:t>
           </a:r>
+          <a:endParaRPr lang="en-US" dirty="0"/>
         </a:p>
       </dgm:t>
     </dgm:pt>
@@ -6358,7 +6363,50 @@
         </a:p>
       </dgm:t>
     </dgm:pt>
-    <dgm:pt modelId="{1214515C-E984-4C89-9348-DB570DDE03DF}" type="pres">
+    <dgm:pt modelId="{2934907C-58BA-47C6-B1C1-7046E4CF23DB}">
+      <dgm:prSet/>
+      <dgm:spPr/>
+      <dgm:t>
+        <a:bodyPr/>
+        <a:lstStyle/>
+        <a:p>
+          <a:pPr>
+            <a:lnSpc>
+              <a:spcPct val="100000"/>
+            </a:lnSpc>
+            <a:defRPr b="1"/>
+          </a:pPr>
+          <a:r>
+            <a:rPr lang="en-US"/>
+            <a:t>Writing the compiler</a:t>
+          </a:r>
+          <a:endParaRPr lang="en-US" dirty="0"/>
+        </a:p>
+      </dgm:t>
+    </dgm:pt>
+    <dgm:pt modelId="{1E78E189-7D45-4545-8962-44895810A461}" type="parTrans" cxnId="{37B3D108-E00B-42C4-8DFA-DEC7FFB3DD88}">
+      <dgm:prSet/>
+      <dgm:spPr/>
+      <dgm:t>
+        <a:bodyPr/>
+        <a:lstStyle/>
+        <a:p>
+          <a:endParaRPr lang="en-US"/>
+        </a:p>
+      </dgm:t>
+    </dgm:pt>
+    <dgm:pt modelId="{F5A9CA8C-A726-43A4-B355-FBD0918227D0}" type="sibTrans" cxnId="{37B3D108-E00B-42C4-8DFA-DEC7FFB3DD88}">
+      <dgm:prSet/>
+      <dgm:spPr/>
+      <dgm:t>
+        <a:bodyPr/>
+        <a:lstStyle/>
+        <a:p>
+          <a:endParaRPr lang="en-US"/>
+        </a:p>
+      </dgm:t>
+    </dgm:pt>
+    <dgm:pt modelId="{4429EBDB-6836-442F-A0FD-50D33DB0EE54}" type="pres">
       <dgm:prSet presAssocID="{F03D914F-B906-4777-B4D7-755DD7A5B697}" presName="root" presStyleCnt="0">
         <dgm:presLayoutVars>
           <dgm:dir/>
@@ -6367,12 +6415,12 @@
       </dgm:prSet>
       <dgm:spPr/>
     </dgm:pt>
-    <dgm:pt modelId="{4D4000C9-83A0-45F1-8D81-4D79465CD776}" type="pres">
+    <dgm:pt modelId="{4BFF77CF-CDF0-4D17-A756-7FC1DC2254E6}" type="pres">
       <dgm:prSet presAssocID="{A35BE83A-B68E-47D0-B4E6-3C0744CB814E}" presName="compNode" presStyleCnt="0"/>
       <dgm:spPr/>
     </dgm:pt>
-    <dgm:pt modelId="{3FD83B31-FF8C-46D5-8AAF-F46166C22F0E}" type="pres">
-      <dgm:prSet presAssocID="{A35BE83A-B68E-47D0-B4E6-3C0744CB814E}" presName="iconRect" presStyleLbl="node1" presStyleIdx="0" presStyleCnt="4" custLinFactNeighborX="59822" custLinFactNeighborY="-1514"/>
+    <dgm:pt modelId="{6967CE18-EC2A-4159-AD59-F34DD00B4CDD}" type="pres">
+      <dgm:prSet presAssocID="{A35BE83A-B68E-47D0-B4E6-3C0744CB814E}" presName="iconRect" presStyleLbl="node1" presStyleIdx="0" presStyleCnt="5"/>
       <dgm:spPr>
         <a:blipFill>
           <a:blip xmlns:r="http://schemas.openxmlformats.org/officeDocument/2006/relationships" r:embed="rId1">
@@ -6396,12 +6444,12 @@
         </a:ext>
       </dgm:extLst>
     </dgm:pt>
-    <dgm:pt modelId="{3A4BCDC3-1380-4E2D-A16D-E74AA204A0E1}" type="pres">
+    <dgm:pt modelId="{248A14FB-9A72-4BEC-B2A6-60FC09174F46}" type="pres">
       <dgm:prSet presAssocID="{A35BE83A-B68E-47D0-B4E6-3C0744CB814E}" presName="iconSpace" presStyleCnt="0"/>
       <dgm:spPr/>
     </dgm:pt>
-    <dgm:pt modelId="{F8835344-1F4F-45DA-A1BE-5F141C33356F}" type="pres">
-      <dgm:prSet presAssocID="{A35BE83A-B68E-47D0-B4E6-3C0744CB814E}" presName="parTx" presStyleLbl="revTx" presStyleIdx="0" presStyleCnt="8">
+    <dgm:pt modelId="{2E0062D9-369D-4E0C-B387-F63E24F196A4}" type="pres">
+      <dgm:prSet presAssocID="{A35BE83A-B68E-47D0-B4E6-3C0744CB814E}" presName="parTx" presStyleLbl="revTx" presStyleIdx="0" presStyleCnt="10">
         <dgm:presLayoutVars>
           <dgm:chMax val="0"/>
           <dgm:chPref val="0"/>
@@ -6409,26 +6457,26 @@
       </dgm:prSet>
       <dgm:spPr/>
     </dgm:pt>
-    <dgm:pt modelId="{40DD3E63-7B6E-4184-8CF8-D1F995803C32}" type="pres">
+    <dgm:pt modelId="{7D44E140-E74E-4868-8785-7A833E85DB70}" type="pres">
       <dgm:prSet presAssocID="{A35BE83A-B68E-47D0-B4E6-3C0744CB814E}" presName="txSpace" presStyleCnt="0"/>
       <dgm:spPr/>
     </dgm:pt>
-    <dgm:pt modelId="{06E6C962-515F-4697-8ED1-81844E2154E6}" type="pres">
-      <dgm:prSet presAssocID="{A35BE83A-B68E-47D0-B4E6-3C0744CB814E}" presName="desTx" presStyleLbl="revTx" presStyleIdx="1" presStyleCnt="8" custLinFactNeighborX="6891" custLinFactNeighborY="3642">
+    <dgm:pt modelId="{F731B9BB-BBF8-44F6-BEFB-C7CDC9D6CAAC}" type="pres">
+      <dgm:prSet presAssocID="{A35BE83A-B68E-47D0-B4E6-3C0744CB814E}" presName="desTx" presStyleLbl="revTx" presStyleIdx="1" presStyleCnt="10">
         <dgm:presLayoutVars/>
       </dgm:prSet>
       <dgm:spPr/>
     </dgm:pt>
-    <dgm:pt modelId="{7ACDEBFA-2AC7-4C6A-8146-1958794D493F}" type="pres">
+    <dgm:pt modelId="{FF7A9987-801E-491F-979E-74E38FEEF1FA}" type="pres">
       <dgm:prSet presAssocID="{5287D1CC-700C-4696-961E-762A6EC7D2C0}" presName="sibTrans" presStyleCnt="0"/>
       <dgm:spPr/>
     </dgm:pt>
-    <dgm:pt modelId="{DFAD6B4E-0951-40E6-AB0B-DF87547FCC16}" type="pres">
+    <dgm:pt modelId="{509D88E0-076F-4ABA-870D-6A7C652FEC71}" type="pres">
       <dgm:prSet presAssocID="{F2872B3F-FF17-4813-9A3B-33BBD6D3B2F9}" presName="compNode" presStyleCnt="0"/>
       <dgm:spPr/>
     </dgm:pt>
-    <dgm:pt modelId="{FE764965-5AD2-4DF2-9717-F7F70221A4BA}" type="pres">
-      <dgm:prSet presAssocID="{F2872B3F-FF17-4813-9A3B-33BBD6D3B2F9}" presName="iconRect" presStyleLbl="node1" presStyleIdx="1" presStyleCnt="4" custLinFactNeighborX="59065" custLinFactNeighborY="2272"/>
+    <dgm:pt modelId="{B959B6B3-8FE5-4390-88AD-F9970D07D8C8}" type="pres">
+      <dgm:prSet presAssocID="{F2872B3F-FF17-4813-9A3B-33BBD6D3B2F9}" presName="iconRect" presStyleLbl="node1" presStyleIdx="1" presStyleCnt="5"/>
       <dgm:spPr>
         <a:blipFill>
           <a:blip xmlns:r="http://schemas.openxmlformats.org/officeDocument/2006/relationships" r:embed="rId3">
@@ -6452,12 +6500,12 @@
         </a:ext>
       </dgm:extLst>
     </dgm:pt>
-    <dgm:pt modelId="{F05EEBE8-9593-412E-BAD6-E6B2A09023F5}" type="pres">
+    <dgm:pt modelId="{4558A199-9D52-47D8-8E18-78EB397BA9D8}" type="pres">
       <dgm:prSet presAssocID="{F2872B3F-FF17-4813-9A3B-33BBD6D3B2F9}" presName="iconSpace" presStyleCnt="0"/>
       <dgm:spPr/>
     </dgm:pt>
-    <dgm:pt modelId="{554F6120-1FD0-473F-B5B2-F081CA1C6C04}" type="pres">
-      <dgm:prSet presAssocID="{F2872B3F-FF17-4813-9A3B-33BBD6D3B2F9}" presName="parTx" presStyleLbl="revTx" presStyleIdx="2" presStyleCnt="8">
+    <dgm:pt modelId="{D88C8D4A-C6EF-4530-AAB6-D06B84D48ABD}" type="pres">
+      <dgm:prSet presAssocID="{F2872B3F-FF17-4813-9A3B-33BBD6D3B2F9}" presName="parTx" presStyleLbl="revTx" presStyleIdx="2" presStyleCnt="10">
         <dgm:presLayoutVars>
           <dgm:chMax val="0"/>
           <dgm:chPref val="0"/>
@@ -6465,26 +6513,26 @@
       </dgm:prSet>
       <dgm:spPr/>
     </dgm:pt>
-    <dgm:pt modelId="{BFF8C575-CF3C-42E6-B5A2-489EA74CDA22}" type="pres">
+    <dgm:pt modelId="{4A9887AA-D1A3-467C-BF6A-ABB569F42D15}" type="pres">
       <dgm:prSet presAssocID="{F2872B3F-FF17-4813-9A3B-33BBD6D3B2F9}" presName="txSpace" presStyleCnt="0"/>
       <dgm:spPr/>
     </dgm:pt>
-    <dgm:pt modelId="{7114EDA1-8444-48AA-8BB0-E75A8E34C810}" type="pres">
-      <dgm:prSet presAssocID="{F2872B3F-FF17-4813-9A3B-33BBD6D3B2F9}" presName="desTx" presStyleLbl="revTx" presStyleIdx="3" presStyleCnt="8">
+    <dgm:pt modelId="{F3FF3D9F-00A3-4A8D-B109-CD2F95CB4EE5}" type="pres">
+      <dgm:prSet presAssocID="{F2872B3F-FF17-4813-9A3B-33BBD6D3B2F9}" presName="desTx" presStyleLbl="revTx" presStyleIdx="3" presStyleCnt="10">
         <dgm:presLayoutVars/>
       </dgm:prSet>
       <dgm:spPr/>
     </dgm:pt>
-    <dgm:pt modelId="{E52AA559-09E0-40BB-B190-6EE2CBF1DEE1}" type="pres">
+    <dgm:pt modelId="{09A41ECE-AE70-4A9F-B1BF-ACEB09FC8D67}" type="pres">
       <dgm:prSet presAssocID="{91AAEA98-1176-4F65-A28E-EB61F0FE70EA}" presName="sibTrans" presStyleCnt="0"/>
       <dgm:spPr/>
     </dgm:pt>
-    <dgm:pt modelId="{62B0E78E-B3EB-4EF1-88C1-F72BE07D4C36}" type="pres">
-      <dgm:prSet presAssocID="{D263AFDF-8023-4EA8-8DA5-382FBA2610BF}" presName="compNode" presStyleCnt="0"/>
+    <dgm:pt modelId="{A88CEBDD-2673-4293-97B0-88DBC3DC5A42}" type="pres">
+      <dgm:prSet presAssocID="{2934907C-58BA-47C6-B1C1-7046E4CF23DB}" presName="compNode" presStyleCnt="0"/>
       <dgm:spPr/>
     </dgm:pt>
-    <dgm:pt modelId="{FCAD0D83-F61C-4C1D-BCC8-85AD8B29E5D0}" type="pres">
-      <dgm:prSet presAssocID="{D263AFDF-8023-4EA8-8DA5-382FBA2610BF}" presName="iconRect" presStyleLbl="node1" presStyleIdx="2" presStyleCnt="4" custLinFactNeighborX="71939"/>
+    <dgm:pt modelId="{23A1A9C7-B47C-4BB6-8B67-543FB043816B}" type="pres">
+      <dgm:prSet presAssocID="{2934907C-58BA-47C6-B1C1-7046E4CF23DB}" presName="iconRect" presStyleLbl="node1" presStyleIdx="2" presStyleCnt="5" custLinFactX="300000" custLinFactNeighborX="376132" custLinFactNeighborY="-4230"/>
       <dgm:spPr>
         <a:blipFill>
           <a:blip xmlns:r="http://schemas.openxmlformats.org/officeDocument/2006/relationships" r:embed="rId5">
@@ -6508,12 +6556,12 @@
         </a:ext>
       </dgm:extLst>
     </dgm:pt>
-    <dgm:pt modelId="{99556C2E-9999-4740-86E3-60848491394B}" type="pres">
-      <dgm:prSet presAssocID="{D263AFDF-8023-4EA8-8DA5-382FBA2610BF}" presName="iconSpace" presStyleCnt="0"/>
+    <dgm:pt modelId="{FF3675DF-936B-4330-B669-E558AEA21D95}" type="pres">
+      <dgm:prSet presAssocID="{2934907C-58BA-47C6-B1C1-7046E4CF23DB}" presName="iconSpace" presStyleCnt="0"/>
       <dgm:spPr/>
     </dgm:pt>
-    <dgm:pt modelId="{51D23115-C54B-4109-8E10-104D8B443119}" type="pres">
-      <dgm:prSet presAssocID="{D263AFDF-8023-4EA8-8DA5-382FBA2610BF}" presName="parTx" presStyleLbl="revTx" presStyleIdx="4" presStyleCnt="8">
+    <dgm:pt modelId="{86825464-570C-4D80-81B8-5C8F205F53B6}" type="pres">
+      <dgm:prSet presAssocID="{2934907C-58BA-47C6-B1C1-7046E4CF23DB}" presName="parTx" presStyleLbl="revTx" presStyleIdx="4" presStyleCnt="10">
         <dgm:presLayoutVars>
           <dgm:chMax val="0"/>
           <dgm:chPref val="0"/>
@@ -6521,26 +6569,26 @@
       </dgm:prSet>
       <dgm:spPr/>
     </dgm:pt>
-    <dgm:pt modelId="{DFA8DABE-ADBE-4F4B-A9AC-AF51F13DF330}" type="pres">
-      <dgm:prSet presAssocID="{D263AFDF-8023-4EA8-8DA5-382FBA2610BF}" presName="txSpace" presStyleCnt="0"/>
+    <dgm:pt modelId="{B0E732B3-B1BE-444B-B950-A474B1D89E8E}" type="pres">
+      <dgm:prSet presAssocID="{2934907C-58BA-47C6-B1C1-7046E4CF23DB}" presName="txSpace" presStyleCnt="0"/>
       <dgm:spPr/>
     </dgm:pt>
-    <dgm:pt modelId="{9378C7FB-20F7-4BB3-9CB8-B7A33E812D9C}" type="pres">
-      <dgm:prSet presAssocID="{D263AFDF-8023-4EA8-8DA5-382FBA2610BF}" presName="desTx" presStyleLbl="revTx" presStyleIdx="5" presStyleCnt="8">
+    <dgm:pt modelId="{23B6CAB8-495E-462D-9600-32AF205956A5}" type="pres">
+      <dgm:prSet presAssocID="{2934907C-58BA-47C6-B1C1-7046E4CF23DB}" presName="desTx" presStyleLbl="revTx" presStyleIdx="5" presStyleCnt="10">
         <dgm:presLayoutVars/>
       </dgm:prSet>
       <dgm:spPr/>
     </dgm:pt>
-    <dgm:pt modelId="{BCCF1D6B-01BC-4C74-AA45-BBB24C10E884}" type="pres">
-      <dgm:prSet presAssocID="{080BC904-AFBC-4ED8-9209-8556EC0ECE2C}" presName="sibTrans" presStyleCnt="0"/>
+    <dgm:pt modelId="{2065D21E-0F5E-4B05-B2D3-AFB9DF855D15}" type="pres">
+      <dgm:prSet presAssocID="{F5A9CA8C-A726-43A4-B355-FBD0918227D0}" presName="sibTrans" presStyleCnt="0"/>
       <dgm:spPr/>
     </dgm:pt>
-    <dgm:pt modelId="{16803D88-A9D1-4F7E-B3A9-2DEB9E374445}" type="pres">
-      <dgm:prSet presAssocID="{A4791625-0334-4E32-9F29-773534963E82}" presName="compNode" presStyleCnt="0"/>
+    <dgm:pt modelId="{B806F624-F639-4FBE-8506-69FC7BA1F7AF}" type="pres">
+      <dgm:prSet presAssocID="{D263AFDF-8023-4EA8-8DA5-382FBA2610BF}" presName="compNode" presStyleCnt="0"/>
       <dgm:spPr/>
     </dgm:pt>
-    <dgm:pt modelId="{3DAA8307-8B68-444E-A604-5E0A785B1090}" type="pres">
-      <dgm:prSet presAssocID="{A4791625-0334-4E32-9F29-773534963E82}" presName="iconRect" presStyleLbl="node1" presStyleIdx="3" presStyleCnt="4" custLinFactNeighborX="42231" custLinFactNeighborY="2390"/>
+    <dgm:pt modelId="{240873E9-AD90-4EB1-A07E-1E35D5F2C3FD}" type="pres">
+      <dgm:prSet presAssocID="{D263AFDF-8023-4EA8-8DA5-382FBA2610BF}" presName="iconRect" presStyleLbl="node1" presStyleIdx="3" presStyleCnt="5"/>
       <dgm:spPr>
         <a:blipFill>
           <a:blip xmlns:r="http://schemas.openxmlformats.org/officeDocument/2006/relationships" r:embed="rId7">
@@ -6564,12 +6612,12 @@
         </a:ext>
       </dgm:extLst>
     </dgm:pt>
-    <dgm:pt modelId="{6040D807-3ADE-41E4-A341-09F9EF333AFD}" type="pres">
-      <dgm:prSet presAssocID="{A4791625-0334-4E32-9F29-773534963E82}" presName="iconSpace" presStyleCnt="0"/>
+    <dgm:pt modelId="{94764EC0-8363-4574-8B2A-A056106B401F}" type="pres">
+      <dgm:prSet presAssocID="{D263AFDF-8023-4EA8-8DA5-382FBA2610BF}" presName="iconSpace" presStyleCnt="0"/>
       <dgm:spPr/>
     </dgm:pt>
-    <dgm:pt modelId="{FC19D21D-CF15-41FA-9DD2-935F749A53D9}" type="pres">
-      <dgm:prSet presAssocID="{A4791625-0334-4E32-9F29-773534963E82}" presName="parTx" presStyleLbl="revTx" presStyleIdx="6" presStyleCnt="8">
+    <dgm:pt modelId="{78DE0C8E-E9AE-44D0-934A-DC6388DFDA72}" type="pres">
+      <dgm:prSet presAssocID="{D263AFDF-8023-4EA8-8DA5-382FBA2610BF}" presName="parTx" presStyleLbl="revTx" presStyleIdx="6" presStyleCnt="10">
         <dgm:presLayoutVars>
           <dgm:chMax val="0"/>
           <dgm:chPref val="0"/>
@@ -6577,62 +6625,127 @@
       </dgm:prSet>
       <dgm:spPr/>
     </dgm:pt>
-    <dgm:pt modelId="{99519A4B-AEE3-40F1-89AF-42B9AE5E60B8}" type="pres">
+    <dgm:pt modelId="{904D5C10-BB14-4E99-AE13-A58C835A9EC6}" type="pres">
+      <dgm:prSet presAssocID="{D263AFDF-8023-4EA8-8DA5-382FBA2610BF}" presName="txSpace" presStyleCnt="0"/>
+      <dgm:spPr/>
+    </dgm:pt>
+    <dgm:pt modelId="{98ADFCE1-2628-43FF-BF4D-4FF8D1F6E92D}" type="pres">
+      <dgm:prSet presAssocID="{D263AFDF-8023-4EA8-8DA5-382FBA2610BF}" presName="desTx" presStyleLbl="revTx" presStyleIdx="7" presStyleCnt="10">
+        <dgm:presLayoutVars/>
+      </dgm:prSet>
+      <dgm:spPr/>
+    </dgm:pt>
+    <dgm:pt modelId="{7F7B18CB-569A-4FC3-9D8D-84BB9CD94693}" type="pres">
+      <dgm:prSet presAssocID="{080BC904-AFBC-4ED8-9209-8556EC0ECE2C}" presName="sibTrans" presStyleCnt="0"/>
+      <dgm:spPr/>
+    </dgm:pt>
+    <dgm:pt modelId="{604C29F8-A957-4AFA-AB98-000848AEBB11}" type="pres">
+      <dgm:prSet presAssocID="{A4791625-0334-4E32-9F29-773534963E82}" presName="compNode" presStyleCnt="0"/>
+      <dgm:spPr/>
+    </dgm:pt>
+    <dgm:pt modelId="{24143385-A857-46AD-8A07-16980F4A93DF}" type="pres">
+      <dgm:prSet presAssocID="{A4791625-0334-4E32-9F29-773534963E82}" presName="iconRect" presStyleLbl="node1" presStyleIdx="4" presStyleCnt="5" custLinFactX="-300000" custLinFactNeighborX="-371429" custLinFactNeighborY="10402"/>
+      <dgm:spPr>
+        <a:blipFill>
+          <a:blip xmlns:r="http://schemas.openxmlformats.org/officeDocument/2006/relationships" r:embed="rId9">
+            <a:extLst>
+              <a:ext uri="{28A0092B-C50C-407E-A947-70E740481C1C}">
+                <a14:useLocalDpi xmlns:a14="http://schemas.microsoft.com/office/drawing/2010/main" val="0"/>
+              </a:ext>
+              <a:ext uri="{96DAC541-7B7A-43D3-8B79-37D633B846F1}">
+                <asvg:svgBlip xmlns:asvg="http://schemas.microsoft.com/office/drawing/2016/SVG/main" r:embed="rId10"/>
+              </a:ext>
+            </a:extLst>
+          </a:blip>
+          <a:stretch>
+            <a:fillRect/>
+          </a:stretch>
+        </a:blipFill>
+      </dgm:spPr>
+      <dgm:extLst>
+        <a:ext uri="{E40237B7-FDA0-4F09-8148-C483321AD2D9}">
+          <dgm14:cNvPr xmlns:dgm14="http://schemas.microsoft.com/office/drawing/2010/diagram" id="0" name="" descr="Pencil"/>
+        </a:ext>
+      </dgm:extLst>
+    </dgm:pt>
+    <dgm:pt modelId="{C2B5C8D4-47EA-49B5-9B71-84FCDBE59388}" type="pres">
+      <dgm:prSet presAssocID="{A4791625-0334-4E32-9F29-773534963E82}" presName="iconSpace" presStyleCnt="0"/>
+      <dgm:spPr/>
+    </dgm:pt>
+    <dgm:pt modelId="{83B9228E-641F-42FD-A1B4-7B35FAF40D3B}" type="pres">
+      <dgm:prSet presAssocID="{A4791625-0334-4E32-9F29-773534963E82}" presName="parTx" presStyleLbl="revTx" presStyleIdx="8" presStyleCnt="10">
+        <dgm:presLayoutVars>
+          <dgm:chMax val="0"/>
+          <dgm:chPref val="0"/>
+        </dgm:presLayoutVars>
+      </dgm:prSet>
+      <dgm:spPr/>
+    </dgm:pt>
+    <dgm:pt modelId="{03B93605-3F1E-479C-AA08-3A950183D9F8}" type="pres">
       <dgm:prSet presAssocID="{A4791625-0334-4E32-9F29-773534963E82}" presName="txSpace" presStyleCnt="0"/>
       <dgm:spPr/>
     </dgm:pt>
-    <dgm:pt modelId="{DA02A1C2-57A8-410E-9C8C-F1A48B8E1859}" type="pres">
-      <dgm:prSet presAssocID="{A4791625-0334-4E32-9F29-773534963E82}" presName="desTx" presStyleLbl="revTx" presStyleIdx="7" presStyleCnt="8">
+    <dgm:pt modelId="{25D4A6FA-F964-40FF-8A63-98B12D4F63F5}" type="pres">
+      <dgm:prSet presAssocID="{A4791625-0334-4E32-9F29-773534963E82}" presName="desTx" presStyleLbl="revTx" presStyleIdx="9" presStyleCnt="10">
         <dgm:presLayoutVars/>
       </dgm:prSet>
       <dgm:spPr/>
     </dgm:pt>
   </dgm:ptLst>
   <dgm:cxnLst>
-    <dgm:cxn modelId="{54D26E08-6C35-4BB5-85B4-000AE80062A3}" type="presOf" srcId="{F03D914F-B906-4777-B4D7-755DD7A5B697}" destId="{1214515C-E984-4C89-9348-DB570DDE03DF}" srcOrd="0" destOrd="0" presId="urn:microsoft.com/office/officeart/2018/2/layout/IconLabelDescriptionList"/>
+    <dgm:cxn modelId="{37B3D108-E00B-42C4-8DFA-DEC7FFB3DD88}" srcId="{F03D914F-B906-4777-B4D7-755DD7A5B697}" destId="{2934907C-58BA-47C6-B1C1-7046E4CF23DB}" srcOrd="2" destOrd="0" parTransId="{1E78E189-7D45-4545-8962-44895810A461}" sibTransId="{F5A9CA8C-A726-43A4-B355-FBD0918227D0}"/>
     <dgm:cxn modelId="{6FDF8B20-E3CD-4A15-A65D-AE7AFE36330E}" srcId="{F03D914F-B906-4777-B4D7-755DD7A5B697}" destId="{F2872B3F-FF17-4813-9A3B-33BBD6D3B2F9}" srcOrd="1" destOrd="0" parTransId="{EA3C9A20-2CD7-407F-BF4A-0043A7FCB166}" sibTransId="{91AAEA98-1176-4F65-A28E-EB61F0FE70EA}"/>
-    <dgm:cxn modelId="{81DFEF2A-A906-43F9-B1A3-8B387DF29643}" srcId="{F03D914F-B906-4777-B4D7-755DD7A5B697}" destId="{D263AFDF-8023-4EA8-8DA5-382FBA2610BF}" srcOrd="2" destOrd="0" parTransId="{EB1FBCBC-C290-4448-A82E-A3858830F6A0}" sibTransId="{080BC904-AFBC-4ED8-9209-8556EC0ECE2C}"/>
-    <dgm:cxn modelId="{EC124732-85A1-41C9-A3BB-9071725C438D}" type="presOf" srcId="{A4791625-0334-4E32-9F29-773534963E82}" destId="{FC19D21D-CF15-41FA-9DD2-935F749A53D9}" srcOrd="0" destOrd="0" presId="urn:microsoft.com/office/officeart/2018/2/layout/IconLabelDescriptionList"/>
-    <dgm:cxn modelId="{ED85CE42-F669-42CE-8D0C-007896AE01FC}" type="presOf" srcId="{6E2358A3-41CA-4A41-9A7F-E7F1CA342FAA}" destId="{06E6C962-515F-4697-8ED1-81844E2154E6}" srcOrd="0" destOrd="3" presId="urn:microsoft.com/office/officeart/2018/2/layout/IconLabelDescriptionList"/>
-    <dgm:cxn modelId="{3ED72468-2FF2-480D-BFC9-FC2BACD5C3AC}" type="presOf" srcId="{9A752728-12A5-4B6F-85D8-AFECB350BB24}" destId="{06E6C962-515F-4697-8ED1-81844E2154E6}" srcOrd="0" destOrd="0" presId="urn:microsoft.com/office/officeart/2018/2/layout/IconLabelDescriptionList"/>
-    <dgm:cxn modelId="{2D92A753-AAD5-499F-BB09-4506FAC78DD7}" type="presOf" srcId="{A9DC5F34-2A75-4B8C-A54C-B2057D0ECA55}" destId="{06E6C962-515F-4697-8ED1-81844E2154E6}" srcOrd="0" destOrd="1" presId="urn:microsoft.com/office/officeart/2018/2/layout/IconLabelDescriptionList"/>
-    <dgm:cxn modelId="{49EAFC56-5805-42CA-9DE3-2C386071FCD3}" type="presOf" srcId="{F2872B3F-FF17-4813-9A3B-33BBD6D3B2F9}" destId="{554F6120-1FD0-473F-B5B2-F081CA1C6C04}" srcOrd="0" destOrd="0" presId="urn:microsoft.com/office/officeart/2018/2/layout/IconLabelDescriptionList"/>
-    <dgm:cxn modelId="{FCAAA45A-D61D-49DF-A74F-BF446CB46E44}" srcId="{F03D914F-B906-4777-B4D7-755DD7A5B697}" destId="{A4791625-0334-4E32-9F29-773534963E82}" srcOrd="3" destOrd="0" parTransId="{E01E92DC-C1D3-463D-931D-F417F282273C}" sibTransId="{09D94463-C09B-4482-9A76-DC586515EE05}"/>
-    <dgm:cxn modelId="{F3DFF2AE-B4FE-4262-8FEC-57D2738B9D46}" type="presOf" srcId="{A35BE83A-B68E-47D0-B4E6-3C0744CB814E}" destId="{F8835344-1F4F-45DA-A1BE-5F141C33356F}" srcOrd="0" destOrd="0" presId="urn:microsoft.com/office/officeart/2018/2/layout/IconLabelDescriptionList"/>
-    <dgm:cxn modelId="{E7C016AF-D978-4B79-BBDB-34AF284467D3}" type="presOf" srcId="{D263AFDF-8023-4EA8-8DA5-382FBA2610BF}" destId="{51D23115-C54B-4109-8E10-104D8B443119}" srcOrd="0" destOrd="0" presId="urn:microsoft.com/office/officeart/2018/2/layout/IconLabelDescriptionList"/>
+    <dgm:cxn modelId="{95F90924-AB10-4603-8A19-92C55AA50FA3}" type="presOf" srcId="{6E2358A3-41CA-4A41-9A7F-E7F1CA342FAA}" destId="{F731B9BB-BBF8-44F6-BEFB-C7CDC9D6CAAC}" srcOrd="0" destOrd="3" presId="urn:microsoft.com/office/officeart/2018/5/layout/CenteredIconLabelDescriptionList"/>
+    <dgm:cxn modelId="{81DFEF2A-A906-43F9-B1A3-8B387DF29643}" srcId="{F03D914F-B906-4777-B4D7-755DD7A5B697}" destId="{D263AFDF-8023-4EA8-8DA5-382FBA2610BF}" srcOrd="3" destOrd="0" parTransId="{EB1FBCBC-C290-4448-A82E-A3858830F6A0}" sibTransId="{080BC904-AFBC-4ED8-9209-8556EC0ECE2C}"/>
+    <dgm:cxn modelId="{4EAF975F-41C0-4319-818B-1F9FD2575F23}" type="presOf" srcId="{2934907C-58BA-47C6-B1C1-7046E4CF23DB}" destId="{86825464-570C-4D80-81B8-5C8F205F53B6}" srcOrd="0" destOrd="0" presId="urn:microsoft.com/office/officeart/2018/5/layout/CenteredIconLabelDescriptionList"/>
+    <dgm:cxn modelId="{6CDBBF64-5359-48B1-9CDB-4D08BF743395}" type="presOf" srcId="{6C67F153-4D5E-4823-8346-A208AB3F741E}" destId="{F731B9BB-BBF8-44F6-BEFB-C7CDC9D6CAAC}" srcOrd="0" destOrd="2" presId="urn:microsoft.com/office/officeart/2018/5/layout/CenteredIconLabelDescriptionList"/>
+    <dgm:cxn modelId="{B3119F66-E45B-4BE7-BB70-3C81DDC2723D}" type="presOf" srcId="{A9DC5F34-2A75-4B8C-A54C-B2057D0ECA55}" destId="{F731B9BB-BBF8-44F6-BEFB-C7CDC9D6CAAC}" srcOrd="0" destOrd="1" presId="urn:microsoft.com/office/officeart/2018/5/layout/CenteredIconLabelDescriptionList"/>
+    <dgm:cxn modelId="{71D2B76F-5D52-4A02-A157-4668B8DBCC40}" type="presOf" srcId="{F03D914F-B906-4777-B4D7-755DD7A5B697}" destId="{4429EBDB-6836-442F-A0FD-50D33DB0EE54}" srcOrd="0" destOrd="0" presId="urn:microsoft.com/office/officeart/2018/5/layout/CenteredIconLabelDescriptionList"/>
+    <dgm:cxn modelId="{FCAAA45A-D61D-49DF-A74F-BF446CB46E44}" srcId="{F03D914F-B906-4777-B4D7-755DD7A5B697}" destId="{A4791625-0334-4E32-9F29-773534963E82}" srcOrd="4" destOrd="0" parTransId="{E01E92DC-C1D3-463D-931D-F417F282273C}" sibTransId="{09D94463-C09B-4482-9A76-DC586515EE05}"/>
+    <dgm:cxn modelId="{A50DB593-7E4D-4E97-B49B-F26F329F18B3}" type="presOf" srcId="{A35BE83A-B68E-47D0-B4E6-3C0744CB814E}" destId="{2E0062D9-369D-4E0C-B387-F63E24F196A4}" srcOrd="0" destOrd="0" presId="urn:microsoft.com/office/officeart/2018/5/layout/CenteredIconLabelDescriptionList"/>
+    <dgm:cxn modelId="{5DABFE94-BD3F-4CAD-B429-14E8D9103248}" type="presOf" srcId="{F2872B3F-FF17-4813-9A3B-33BBD6D3B2F9}" destId="{D88C8D4A-C6EF-4530-AAB6-D06B84D48ABD}" srcOrd="0" destOrd="0" presId="urn:microsoft.com/office/officeart/2018/5/layout/CenteredIconLabelDescriptionList"/>
     <dgm:cxn modelId="{B241A3CE-AEFA-47DB-8EE6-7F8197C71226}" srcId="{A35BE83A-B68E-47D0-B4E6-3C0744CB814E}" destId="{6E2358A3-41CA-4A41-9A7F-E7F1CA342FAA}" srcOrd="3" destOrd="0" parTransId="{AE7B08C2-28F4-490E-9092-51A3C87857EA}" sibTransId="{24771A51-E99B-442C-8BF7-260884034BE6}"/>
+    <dgm:cxn modelId="{E0B608D1-1790-41A2-8994-AF35C090356C}" type="presOf" srcId="{A4791625-0334-4E32-9F29-773534963E82}" destId="{83B9228E-641F-42FD-A1B4-7B35FAF40D3B}" srcOrd="0" destOrd="0" presId="urn:microsoft.com/office/officeart/2018/5/layout/CenteredIconLabelDescriptionList"/>
     <dgm:cxn modelId="{32FB5DD7-41B7-4CC6-A544-BA5A77FCF5D3}" srcId="{F03D914F-B906-4777-B4D7-755DD7A5B697}" destId="{A35BE83A-B68E-47D0-B4E6-3C0744CB814E}" srcOrd="0" destOrd="0" parTransId="{1BED70B9-FF25-4344-B231-F18E29849464}" sibTransId="{5287D1CC-700C-4696-961E-762A6EC7D2C0}"/>
     <dgm:cxn modelId="{162FF7E2-C921-4C66-ADE6-5CE876829F7A}" srcId="{A35BE83A-B68E-47D0-B4E6-3C0744CB814E}" destId="{6C67F153-4D5E-4823-8346-A208AB3F741E}" srcOrd="2" destOrd="0" parTransId="{4C8B5824-BF67-4F85-B920-63380D7485AF}" sibTransId="{65D762F7-D946-4837-AFA8-1F876B71F50E}"/>
+    <dgm:cxn modelId="{59A02CEC-7C5D-4B9C-BF51-2099EDFC5A4F}" type="presOf" srcId="{D263AFDF-8023-4EA8-8DA5-382FBA2610BF}" destId="{78DE0C8E-E9AE-44D0-934A-DC6388DFDA72}" srcOrd="0" destOrd="0" presId="urn:microsoft.com/office/officeart/2018/5/layout/CenteredIconLabelDescriptionList"/>
     <dgm:cxn modelId="{12ECD6EC-2039-43CD-A273-0F5C14D83538}" srcId="{A35BE83A-B68E-47D0-B4E6-3C0744CB814E}" destId="{9A752728-12A5-4B6F-85D8-AFECB350BB24}" srcOrd="0" destOrd="0" parTransId="{A46926A9-075D-4987-B8FF-B10301EC9734}" sibTransId="{136C00C9-B780-47CB-82AC-ACFDF512C97C}"/>
+    <dgm:cxn modelId="{9C3703F2-913E-47D8-A691-1271FA16B537}" type="presOf" srcId="{9A752728-12A5-4B6F-85D8-AFECB350BB24}" destId="{F731B9BB-BBF8-44F6-BEFB-C7CDC9D6CAAC}" srcOrd="0" destOrd="0" presId="urn:microsoft.com/office/officeart/2018/5/layout/CenteredIconLabelDescriptionList"/>
     <dgm:cxn modelId="{909DA3F8-9823-436F-8BBD-6B82BBA90595}" srcId="{A35BE83A-B68E-47D0-B4E6-3C0744CB814E}" destId="{A9DC5F34-2A75-4B8C-A54C-B2057D0ECA55}" srcOrd="1" destOrd="0" parTransId="{E1533129-AC3B-42BF-BD70-54C4E15D742E}" sibTransId="{7D79A258-0D45-4294-A815-4DFB7EF9BC6D}"/>
-    <dgm:cxn modelId="{54D480FC-439D-4C64-8DCB-2CBC7FE0E6C0}" type="presOf" srcId="{6C67F153-4D5E-4823-8346-A208AB3F741E}" destId="{06E6C962-515F-4697-8ED1-81844E2154E6}" srcOrd="0" destOrd="2" presId="urn:microsoft.com/office/officeart/2018/2/layout/IconLabelDescriptionList"/>
-    <dgm:cxn modelId="{774C73ED-B5F0-4246-8D53-CE758881BCF3}" type="presParOf" srcId="{1214515C-E984-4C89-9348-DB570DDE03DF}" destId="{4D4000C9-83A0-45F1-8D81-4D79465CD776}" srcOrd="0" destOrd="0" presId="urn:microsoft.com/office/officeart/2018/2/layout/IconLabelDescriptionList"/>
-    <dgm:cxn modelId="{CF98185E-5D75-4C9B-BE40-180A918F479D}" type="presParOf" srcId="{4D4000C9-83A0-45F1-8D81-4D79465CD776}" destId="{3FD83B31-FF8C-46D5-8AAF-F46166C22F0E}" srcOrd="0" destOrd="0" presId="urn:microsoft.com/office/officeart/2018/2/layout/IconLabelDescriptionList"/>
-    <dgm:cxn modelId="{8FDD16E1-2DC3-475F-85F1-5107FF128345}" type="presParOf" srcId="{4D4000C9-83A0-45F1-8D81-4D79465CD776}" destId="{3A4BCDC3-1380-4E2D-A16D-E74AA204A0E1}" srcOrd="1" destOrd="0" presId="urn:microsoft.com/office/officeart/2018/2/layout/IconLabelDescriptionList"/>
-    <dgm:cxn modelId="{8DA81740-63D2-47F9-A81E-472A39AB51B0}" type="presParOf" srcId="{4D4000C9-83A0-45F1-8D81-4D79465CD776}" destId="{F8835344-1F4F-45DA-A1BE-5F141C33356F}" srcOrd="2" destOrd="0" presId="urn:microsoft.com/office/officeart/2018/2/layout/IconLabelDescriptionList"/>
-    <dgm:cxn modelId="{C14707D7-8C9A-4AB5-AA79-D1BE9FB862BB}" type="presParOf" srcId="{4D4000C9-83A0-45F1-8D81-4D79465CD776}" destId="{40DD3E63-7B6E-4184-8CF8-D1F995803C32}" srcOrd="3" destOrd="0" presId="urn:microsoft.com/office/officeart/2018/2/layout/IconLabelDescriptionList"/>
-    <dgm:cxn modelId="{12548E86-68AF-4573-B5A5-89A6529A4290}" type="presParOf" srcId="{4D4000C9-83A0-45F1-8D81-4D79465CD776}" destId="{06E6C962-515F-4697-8ED1-81844E2154E6}" srcOrd="4" destOrd="0" presId="urn:microsoft.com/office/officeart/2018/2/layout/IconLabelDescriptionList"/>
-    <dgm:cxn modelId="{2FE7EA20-177F-43FD-9782-459339C2C15D}" type="presParOf" srcId="{1214515C-E984-4C89-9348-DB570DDE03DF}" destId="{7ACDEBFA-2AC7-4C6A-8146-1958794D493F}" srcOrd="1" destOrd="0" presId="urn:microsoft.com/office/officeart/2018/2/layout/IconLabelDescriptionList"/>
-    <dgm:cxn modelId="{0F209D3C-ED1B-4D7C-BE0E-092D2E5B6907}" type="presParOf" srcId="{1214515C-E984-4C89-9348-DB570DDE03DF}" destId="{DFAD6B4E-0951-40E6-AB0B-DF87547FCC16}" srcOrd="2" destOrd="0" presId="urn:microsoft.com/office/officeart/2018/2/layout/IconLabelDescriptionList"/>
-    <dgm:cxn modelId="{FA566F19-A66B-4BE4-9A67-D62C062BB157}" type="presParOf" srcId="{DFAD6B4E-0951-40E6-AB0B-DF87547FCC16}" destId="{FE764965-5AD2-4DF2-9717-F7F70221A4BA}" srcOrd="0" destOrd="0" presId="urn:microsoft.com/office/officeart/2018/2/layout/IconLabelDescriptionList"/>
-    <dgm:cxn modelId="{421EF371-2C3A-4981-A0C6-B32FACC92D98}" type="presParOf" srcId="{DFAD6B4E-0951-40E6-AB0B-DF87547FCC16}" destId="{F05EEBE8-9593-412E-BAD6-E6B2A09023F5}" srcOrd="1" destOrd="0" presId="urn:microsoft.com/office/officeart/2018/2/layout/IconLabelDescriptionList"/>
-    <dgm:cxn modelId="{39F9D5D0-255B-4E89-92ED-253754252D6C}" type="presParOf" srcId="{DFAD6B4E-0951-40E6-AB0B-DF87547FCC16}" destId="{554F6120-1FD0-473F-B5B2-F081CA1C6C04}" srcOrd="2" destOrd="0" presId="urn:microsoft.com/office/officeart/2018/2/layout/IconLabelDescriptionList"/>
-    <dgm:cxn modelId="{554A366F-43F4-49C0-967D-3C41F53126AC}" type="presParOf" srcId="{DFAD6B4E-0951-40E6-AB0B-DF87547FCC16}" destId="{BFF8C575-CF3C-42E6-B5A2-489EA74CDA22}" srcOrd="3" destOrd="0" presId="urn:microsoft.com/office/officeart/2018/2/layout/IconLabelDescriptionList"/>
-    <dgm:cxn modelId="{8DAAF6D4-BF7B-4B96-A77F-88D241220973}" type="presParOf" srcId="{DFAD6B4E-0951-40E6-AB0B-DF87547FCC16}" destId="{7114EDA1-8444-48AA-8BB0-E75A8E34C810}" srcOrd="4" destOrd="0" presId="urn:microsoft.com/office/officeart/2018/2/layout/IconLabelDescriptionList"/>
-    <dgm:cxn modelId="{83B975C3-1721-45F4-B779-AB18DE347ABE}" type="presParOf" srcId="{1214515C-E984-4C89-9348-DB570DDE03DF}" destId="{E52AA559-09E0-40BB-B190-6EE2CBF1DEE1}" srcOrd="3" destOrd="0" presId="urn:microsoft.com/office/officeart/2018/2/layout/IconLabelDescriptionList"/>
-    <dgm:cxn modelId="{B1857573-6237-4C46-A438-A18CC6E96485}" type="presParOf" srcId="{1214515C-E984-4C89-9348-DB570DDE03DF}" destId="{62B0E78E-B3EB-4EF1-88C1-F72BE07D4C36}" srcOrd="4" destOrd="0" presId="urn:microsoft.com/office/officeart/2018/2/layout/IconLabelDescriptionList"/>
-    <dgm:cxn modelId="{41A2A32F-40B8-4CD3-9A6E-42EDDBDFB77F}" type="presParOf" srcId="{62B0E78E-B3EB-4EF1-88C1-F72BE07D4C36}" destId="{FCAD0D83-F61C-4C1D-BCC8-85AD8B29E5D0}" srcOrd="0" destOrd="0" presId="urn:microsoft.com/office/officeart/2018/2/layout/IconLabelDescriptionList"/>
-    <dgm:cxn modelId="{C1487867-1B42-4FEA-AF23-C7D61A5D7E2A}" type="presParOf" srcId="{62B0E78E-B3EB-4EF1-88C1-F72BE07D4C36}" destId="{99556C2E-9999-4740-86E3-60848491394B}" srcOrd="1" destOrd="0" presId="urn:microsoft.com/office/officeart/2018/2/layout/IconLabelDescriptionList"/>
-    <dgm:cxn modelId="{58CBCF2A-5CBB-4E10-94AC-0FE6C7D3D8FC}" type="presParOf" srcId="{62B0E78E-B3EB-4EF1-88C1-F72BE07D4C36}" destId="{51D23115-C54B-4109-8E10-104D8B443119}" srcOrd="2" destOrd="0" presId="urn:microsoft.com/office/officeart/2018/2/layout/IconLabelDescriptionList"/>
-    <dgm:cxn modelId="{B5136988-06A0-4D1F-A2E5-346915AA4C48}" type="presParOf" srcId="{62B0E78E-B3EB-4EF1-88C1-F72BE07D4C36}" destId="{DFA8DABE-ADBE-4F4B-A9AC-AF51F13DF330}" srcOrd="3" destOrd="0" presId="urn:microsoft.com/office/officeart/2018/2/layout/IconLabelDescriptionList"/>
-    <dgm:cxn modelId="{A36B8DBE-D92C-4E31-93C7-A2C2892164FE}" type="presParOf" srcId="{62B0E78E-B3EB-4EF1-88C1-F72BE07D4C36}" destId="{9378C7FB-20F7-4BB3-9CB8-B7A33E812D9C}" srcOrd="4" destOrd="0" presId="urn:microsoft.com/office/officeart/2018/2/layout/IconLabelDescriptionList"/>
-    <dgm:cxn modelId="{1A8D4154-326A-4CB6-AAE6-679E1DC8C285}" type="presParOf" srcId="{1214515C-E984-4C89-9348-DB570DDE03DF}" destId="{BCCF1D6B-01BC-4C74-AA45-BBB24C10E884}" srcOrd="5" destOrd="0" presId="urn:microsoft.com/office/officeart/2018/2/layout/IconLabelDescriptionList"/>
-    <dgm:cxn modelId="{7BF71D4E-F151-4C0B-B462-108D7C1A4AC7}" type="presParOf" srcId="{1214515C-E984-4C89-9348-DB570DDE03DF}" destId="{16803D88-A9D1-4F7E-B3A9-2DEB9E374445}" srcOrd="6" destOrd="0" presId="urn:microsoft.com/office/officeart/2018/2/layout/IconLabelDescriptionList"/>
-    <dgm:cxn modelId="{EB7E5AAA-8D34-4DEF-86C3-2A908B0665CA}" type="presParOf" srcId="{16803D88-A9D1-4F7E-B3A9-2DEB9E374445}" destId="{3DAA8307-8B68-444E-A604-5E0A785B1090}" srcOrd="0" destOrd="0" presId="urn:microsoft.com/office/officeart/2018/2/layout/IconLabelDescriptionList"/>
-    <dgm:cxn modelId="{7EA19A11-240F-4434-A5EC-A56AB1492600}" type="presParOf" srcId="{16803D88-A9D1-4F7E-B3A9-2DEB9E374445}" destId="{6040D807-3ADE-41E4-A341-09F9EF333AFD}" srcOrd="1" destOrd="0" presId="urn:microsoft.com/office/officeart/2018/2/layout/IconLabelDescriptionList"/>
-    <dgm:cxn modelId="{5157E243-16CC-4910-AF15-7B51FA85B250}" type="presParOf" srcId="{16803D88-A9D1-4F7E-B3A9-2DEB9E374445}" destId="{FC19D21D-CF15-41FA-9DD2-935F749A53D9}" srcOrd="2" destOrd="0" presId="urn:microsoft.com/office/officeart/2018/2/layout/IconLabelDescriptionList"/>
-    <dgm:cxn modelId="{B8E31939-92FE-4761-8B12-3369F3D1FFEE}" type="presParOf" srcId="{16803D88-A9D1-4F7E-B3A9-2DEB9E374445}" destId="{99519A4B-AEE3-40F1-89AF-42B9AE5E60B8}" srcOrd="3" destOrd="0" presId="urn:microsoft.com/office/officeart/2018/2/layout/IconLabelDescriptionList"/>
-    <dgm:cxn modelId="{FB88C715-72B9-4BF8-BA5F-FC5BF76D9A70}" type="presParOf" srcId="{16803D88-A9D1-4F7E-B3A9-2DEB9E374445}" destId="{DA02A1C2-57A8-410E-9C8C-F1A48B8E1859}" srcOrd="4" destOrd="0" presId="urn:microsoft.com/office/officeart/2018/2/layout/IconLabelDescriptionList"/>
+    <dgm:cxn modelId="{CF67E507-ADAB-442E-8D8C-88B41A0268FA}" type="presParOf" srcId="{4429EBDB-6836-442F-A0FD-50D33DB0EE54}" destId="{4BFF77CF-CDF0-4D17-A756-7FC1DC2254E6}" srcOrd="0" destOrd="0" presId="urn:microsoft.com/office/officeart/2018/5/layout/CenteredIconLabelDescriptionList"/>
+    <dgm:cxn modelId="{687EECF2-5C04-4C4B-9C6F-84AB68F531AC}" type="presParOf" srcId="{4BFF77CF-CDF0-4D17-A756-7FC1DC2254E6}" destId="{6967CE18-EC2A-4159-AD59-F34DD00B4CDD}" srcOrd="0" destOrd="0" presId="urn:microsoft.com/office/officeart/2018/5/layout/CenteredIconLabelDescriptionList"/>
+    <dgm:cxn modelId="{20C012EF-23C3-4DB4-81C4-42D331B9330A}" type="presParOf" srcId="{4BFF77CF-CDF0-4D17-A756-7FC1DC2254E6}" destId="{248A14FB-9A72-4BEC-B2A6-60FC09174F46}" srcOrd="1" destOrd="0" presId="urn:microsoft.com/office/officeart/2018/5/layout/CenteredIconLabelDescriptionList"/>
+    <dgm:cxn modelId="{FE99B9B0-C8E0-46E7-AF66-55EAE7B41910}" type="presParOf" srcId="{4BFF77CF-CDF0-4D17-A756-7FC1DC2254E6}" destId="{2E0062D9-369D-4E0C-B387-F63E24F196A4}" srcOrd="2" destOrd="0" presId="urn:microsoft.com/office/officeart/2018/5/layout/CenteredIconLabelDescriptionList"/>
+    <dgm:cxn modelId="{787489D2-3B89-4FFA-B03E-BE0807CF61AB}" type="presParOf" srcId="{4BFF77CF-CDF0-4D17-A756-7FC1DC2254E6}" destId="{7D44E140-E74E-4868-8785-7A833E85DB70}" srcOrd="3" destOrd="0" presId="urn:microsoft.com/office/officeart/2018/5/layout/CenteredIconLabelDescriptionList"/>
+    <dgm:cxn modelId="{59863E8A-4133-4CDF-9817-EEA3D3789FF2}" type="presParOf" srcId="{4BFF77CF-CDF0-4D17-A756-7FC1DC2254E6}" destId="{F731B9BB-BBF8-44F6-BEFB-C7CDC9D6CAAC}" srcOrd="4" destOrd="0" presId="urn:microsoft.com/office/officeart/2018/5/layout/CenteredIconLabelDescriptionList"/>
+    <dgm:cxn modelId="{79C306A0-35B7-4C96-A97E-A84938931076}" type="presParOf" srcId="{4429EBDB-6836-442F-A0FD-50D33DB0EE54}" destId="{FF7A9987-801E-491F-979E-74E38FEEF1FA}" srcOrd="1" destOrd="0" presId="urn:microsoft.com/office/officeart/2018/5/layout/CenteredIconLabelDescriptionList"/>
+    <dgm:cxn modelId="{846C07A2-669A-4098-9F7D-F4D72701AC0C}" type="presParOf" srcId="{4429EBDB-6836-442F-A0FD-50D33DB0EE54}" destId="{509D88E0-076F-4ABA-870D-6A7C652FEC71}" srcOrd="2" destOrd="0" presId="urn:microsoft.com/office/officeart/2018/5/layout/CenteredIconLabelDescriptionList"/>
+    <dgm:cxn modelId="{0BD03A6F-4DDB-4935-BCFC-6F0328BEEC2C}" type="presParOf" srcId="{509D88E0-076F-4ABA-870D-6A7C652FEC71}" destId="{B959B6B3-8FE5-4390-88AD-F9970D07D8C8}" srcOrd="0" destOrd="0" presId="urn:microsoft.com/office/officeart/2018/5/layout/CenteredIconLabelDescriptionList"/>
+    <dgm:cxn modelId="{BE9C26BB-5A97-4BC0-BCAC-4FF8E1C8A861}" type="presParOf" srcId="{509D88E0-076F-4ABA-870D-6A7C652FEC71}" destId="{4558A199-9D52-47D8-8E18-78EB397BA9D8}" srcOrd="1" destOrd="0" presId="urn:microsoft.com/office/officeart/2018/5/layout/CenteredIconLabelDescriptionList"/>
+    <dgm:cxn modelId="{46EADDB5-1D13-406E-8544-CC660E977ECF}" type="presParOf" srcId="{509D88E0-076F-4ABA-870D-6A7C652FEC71}" destId="{D88C8D4A-C6EF-4530-AAB6-D06B84D48ABD}" srcOrd="2" destOrd="0" presId="urn:microsoft.com/office/officeart/2018/5/layout/CenteredIconLabelDescriptionList"/>
+    <dgm:cxn modelId="{05807B82-561D-44E3-B988-309E67450FFC}" type="presParOf" srcId="{509D88E0-076F-4ABA-870D-6A7C652FEC71}" destId="{4A9887AA-D1A3-467C-BF6A-ABB569F42D15}" srcOrd="3" destOrd="0" presId="urn:microsoft.com/office/officeart/2018/5/layout/CenteredIconLabelDescriptionList"/>
+    <dgm:cxn modelId="{1F0C692C-69C6-46D1-9501-A0FD40F11FF4}" type="presParOf" srcId="{509D88E0-076F-4ABA-870D-6A7C652FEC71}" destId="{F3FF3D9F-00A3-4A8D-B109-CD2F95CB4EE5}" srcOrd="4" destOrd="0" presId="urn:microsoft.com/office/officeart/2018/5/layout/CenteredIconLabelDescriptionList"/>
+    <dgm:cxn modelId="{1B9D553B-7356-4FF0-A8F4-3505C6925616}" type="presParOf" srcId="{4429EBDB-6836-442F-A0FD-50D33DB0EE54}" destId="{09A41ECE-AE70-4A9F-B1BF-ACEB09FC8D67}" srcOrd="3" destOrd="0" presId="urn:microsoft.com/office/officeart/2018/5/layout/CenteredIconLabelDescriptionList"/>
+    <dgm:cxn modelId="{38ED25FE-2088-4E2C-8F27-A3150BC4B922}" type="presParOf" srcId="{4429EBDB-6836-442F-A0FD-50D33DB0EE54}" destId="{A88CEBDD-2673-4293-97B0-88DBC3DC5A42}" srcOrd="4" destOrd="0" presId="urn:microsoft.com/office/officeart/2018/5/layout/CenteredIconLabelDescriptionList"/>
+    <dgm:cxn modelId="{F486B2A0-ED02-46FF-91F6-CA362D9B858D}" type="presParOf" srcId="{A88CEBDD-2673-4293-97B0-88DBC3DC5A42}" destId="{23A1A9C7-B47C-4BB6-8B67-543FB043816B}" srcOrd="0" destOrd="0" presId="urn:microsoft.com/office/officeart/2018/5/layout/CenteredIconLabelDescriptionList"/>
+    <dgm:cxn modelId="{C3F6FBC8-EBAB-4890-B4C4-1338CE4FD16B}" type="presParOf" srcId="{A88CEBDD-2673-4293-97B0-88DBC3DC5A42}" destId="{FF3675DF-936B-4330-B669-E558AEA21D95}" srcOrd="1" destOrd="0" presId="urn:microsoft.com/office/officeart/2018/5/layout/CenteredIconLabelDescriptionList"/>
+    <dgm:cxn modelId="{1FEEAEDA-E899-4A74-94E4-1084340BEE2A}" type="presParOf" srcId="{A88CEBDD-2673-4293-97B0-88DBC3DC5A42}" destId="{86825464-570C-4D80-81B8-5C8F205F53B6}" srcOrd="2" destOrd="0" presId="urn:microsoft.com/office/officeart/2018/5/layout/CenteredIconLabelDescriptionList"/>
+    <dgm:cxn modelId="{EDE9DA30-793A-4F75-A978-5BA4DBABA88D}" type="presParOf" srcId="{A88CEBDD-2673-4293-97B0-88DBC3DC5A42}" destId="{B0E732B3-B1BE-444B-B950-A474B1D89E8E}" srcOrd="3" destOrd="0" presId="urn:microsoft.com/office/officeart/2018/5/layout/CenteredIconLabelDescriptionList"/>
+    <dgm:cxn modelId="{07C0C1C3-9B04-4B8F-8A07-F1086A4AE31B}" type="presParOf" srcId="{A88CEBDD-2673-4293-97B0-88DBC3DC5A42}" destId="{23B6CAB8-495E-462D-9600-32AF205956A5}" srcOrd="4" destOrd="0" presId="urn:microsoft.com/office/officeart/2018/5/layout/CenteredIconLabelDescriptionList"/>
+    <dgm:cxn modelId="{A5C3191E-A8FE-4690-A590-F6A99F85E62B}" type="presParOf" srcId="{4429EBDB-6836-442F-A0FD-50D33DB0EE54}" destId="{2065D21E-0F5E-4B05-B2D3-AFB9DF855D15}" srcOrd="5" destOrd="0" presId="urn:microsoft.com/office/officeart/2018/5/layout/CenteredIconLabelDescriptionList"/>
+    <dgm:cxn modelId="{44DD66D6-9EFC-44BD-BC87-F14233CFF93A}" type="presParOf" srcId="{4429EBDB-6836-442F-A0FD-50D33DB0EE54}" destId="{B806F624-F639-4FBE-8506-69FC7BA1F7AF}" srcOrd="6" destOrd="0" presId="urn:microsoft.com/office/officeart/2018/5/layout/CenteredIconLabelDescriptionList"/>
+    <dgm:cxn modelId="{330B9443-337A-4655-974A-59377BE7A3B2}" type="presParOf" srcId="{B806F624-F639-4FBE-8506-69FC7BA1F7AF}" destId="{240873E9-AD90-4EB1-A07E-1E35D5F2C3FD}" srcOrd="0" destOrd="0" presId="urn:microsoft.com/office/officeart/2018/5/layout/CenteredIconLabelDescriptionList"/>
+    <dgm:cxn modelId="{3871B8E3-120D-4FB1-A0EB-6FFE2CF64880}" type="presParOf" srcId="{B806F624-F639-4FBE-8506-69FC7BA1F7AF}" destId="{94764EC0-8363-4574-8B2A-A056106B401F}" srcOrd="1" destOrd="0" presId="urn:microsoft.com/office/officeart/2018/5/layout/CenteredIconLabelDescriptionList"/>
+    <dgm:cxn modelId="{C31A6E5B-EE43-4C76-8D64-59F5839F9623}" type="presParOf" srcId="{B806F624-F639-4FBE-8506-69FC7BA1F7AF}" destId="{78DE0C8E-E9AE-44D0-934A-DC6388DFDA72}" srcOrd="2" destOrd="0" presId="urn:microsoft.com/office/officeart/2018/5/layout/CenteredIconLabelDescriptionList"/>
+    <dgm:cxn modelId="{1ACDC1C8-375E-48F6-8E7D-24872FAAA7A2}" type="presParOf" srcId="{B806F624-F639-4FBE-8506-69FC7BA1F7AF}" destId="{904D5C10-BB14-4E99-AE13-A58C835A9EC6}" srcOrd="3" destOrd="0" presId="urn:microsoft.com/office/officeart/2018/5/layout/CenteredIconLabelDescriptionList"/>
+    <dgm:cxn modelId="{59B9CE53-1B4C-4234-B78C-FAF87A7BDD56}" type="presParOf" srcId="{B806F624-F639-4FBE-8506-69FC7BA1F7AF}" destId="{98ADFCE1-2628-43FF-BF4D-4FF8D1F6E92D}" srcOrd="4" destOrd="0" presId="urn:microsoft.com/office/officeart/2018/5/layout/CenteredIconLabelDescriptionList"/>
+    <dgm:cxn modelId="{25AEA07F-88F0-4D9B-819F-28996105A1DE}" type="presParOf" srcId="{4429EBDB-6836-442F-A0FD-50D33DB0EE54}" destId="{7F7B18CB-569A-4FC3-9D8D-84BB9CD94693}" srcOrd="7" destOrd="0" presId="urn:microsoft.com/office/officeart/2018/5/layout/CenteredIconLabelDescriptionList"/>
+    <dgm:cxn modelId="{F878224A-8F79-4103-9223-91524C503349}" type="presParOf" srcId="{4429EBDB-6836-442F-A0FD-50D33DB0EE54}" destId="{604C29F8-A957-4AFA-AB98-000848AEBB11}" srcOrd="8" destOrd="0" presId="urn:microsoft.com/office/officeart/2018/5/layout/CenteredIconLabelDescriptionList"/>
+    <dgm:cxn modelId="{F6B725F7-1C66-4C98-8A80-2C38BE9AEE5E}" type="presParOf" srcId="{604C29F8-A957-4AFA-AB98-000848AEBB11}" destId="{24143385-A857-46AD-8A07-16980F4A93DF}" srcOrd="0" destOrd="0" presId="urn:microsoft.com/office/officeart/2018/5/layout/CenteredIconLabelDescriptionList"/>
+    <dgm:cxn modelId="{A2D19993-7D99-4B6E-8561-9238EF40135D}" type="presParOf" srcId="{604C29F8-A957-4AFA-AB98-000848AEBB11}" destId="{C2B5C8D4-47EA-49B5-9B71-84FCDBE59388}" srcOrd="1" destOrd="0" presId="urn:microsoft.com/office/officeart/2018/5/layout/CenteredIconLabelDescriptionList"/>
+    <dgm:cxn modelId="{36D9289A-5B83-4042-8905-F371C8CC539D}" type="presParOf" srcId="{604C29F8-A957-4AFA-AB98-000848AEBB11}" destId="{83B9228E-641F-42FD-A1B4-7B35FAF40D3B}" srcOrd="2" destOrd="0" presId="urn:microsoft.com/office/officeart/2018/5/layout/CenteredIconLabelDescriptionList"/>
+    <dgm:cxn modelId="{198EC231-A463-4F6E-8E64-EAFEF7055C61}" type="presParOf" srcId="{604C29F8-A957-4AFA-AB98-000848AEBB11}" destId="{03B93605-3F1E-479C-AA08-3A950183D9F8}" srcOrd="3" destOrd="0" presId="urn:microsoft.com/office/officeart/2018/5/layout/CenteredIconLabelDescriptionList"/>
+    <dgm:cxn modelId="{C79440F2-38B5-47E9-A9F0-7A88CBB26E80}" type="presParOf" srcId="{604C29F8-A957-4AFA-AB98-000848AEBB11}" destId="{25D4A6FA-F964-40FF-8A63-98B12D4F63F5}" srcOrd="4" destOrd="0" presId="urn:microsoft.com/office/officeart/2018/5/layout/CenteredIconLabelDescriptionList"/>
   </dgm:cxnLst>
   <dgm:bg/>
   <dgm:whole/>
@@ -8752,15 +8865,15 @@
       <dsp:cNvGrpSpPr/>
     </dsp:nvGrpSpPr>
     <dsp:grpSpPr/>
-    <dsp:sp modelId="{3FD83B31-FF8C-46D5-8AAF-F46166C22F0E}">
+    <dsp:sp modelId="{6967CE18-EC2A-4159-AD59-F34DD00B4CDD}">
       <dsp:nvSpPr>
         <dsp:cNvPr id="0" name=""/>
         <dsp:cNvSpPr/>
       </dsp:nvSpPr>
       <dsp:spPr>
         <a:xfrm>
-          <a:off x="521401" y="805985"/>
-          <a:ext cx="856406" cy="856406"/>
+          <a:off x="634406" y="904645"/>
+          <a:ext cx="680695" cy="680695"/>
         </a:xfrm>
         <a:prstGeom prst="rect">
           <a:avLst/>
@@ -8809,15 +8922,15 @@
         </a:fontRef>
       </dsp:style>
     </dsp:sp>
-    <dsp:sp modelId="{F8835344-1F4F-45DA-A1BE-5F141C33356F}">
+    <dsp:sp modelId="{2E0062D9-369D-4E0C-B387-F63E24F196A4}">
       <dsp:nvSpPr>
         <dsp:cNvPr id="0" name=""/>
         <dsp:cNvSpPr/>
       </dsp:nvSpPr>
       <dsp:spPr>
         <a:xfrm>
-          <a:off x="9082" y="1776051"/>
-          <a:ext cx="2446875" cy="447319"/>
+          <a:off x="2332" y="1678665"/>
+          <a:ext cx="1944843" cy="455822"/>
         </a:xfrm>
         <a:prstGeom prst="rect">
           <a:avLst/>
@@ -8846,7 +8959,7 @@
         </a:bodyPr>
         <a:lstStyle/>
         <a:p>
-          <a:pPr marL="0" lvl="0" indent="0" algn="l" defTabSz="622300">
+          <a:pPr marL="0" lvl="0" indent="0" algn="ctr" defTabSz="622300">
             <a:lnSpc>
               <a:spcPct val="100000"/>
             </a:lnSpc>
@@ -8860,25 +8973,26 @@
             <a:defRPr b="1"/>
           </a:pPr>
           <a:r>
-            <a:rPr lang="en-US" sz="1400" kern="1200" dirty="0"/>
+            <a:rPr lang="en-US" sz="1400" kern="1200"/>
             <a:t>What type of processor we wanted</a:t>
           </a:r>
+          <a:endParaRPr lang="en-US" sz="1400" kern="1200" dirty="0"/>
         </a:p>
       </dsp:txBody>
       <dsp:txXfrm>
-        <a:off x="9082" y="1776051"/>
-        <a:ext cx="2446875" cy="447319"/>
+        <a:off x="2332" y="1678665"/>
+        <a:ext cx="1944843" cy="455822"/>
       </dsp:txXfrm>
     </dsp:sp>
-    <dsp:sp modelId="{06E6C962-515F-4697-8ED1-81844E2154E6}">
+    <dsp:sp modelId="{F731B9BB-BBF8-44F6-BEFB-C7CDC9D6CAAC}">
       <dsp:nvSpPr>
         <dsp:cNvPr id="0" name=""/>
         <dsp:cNvSpPr/>
       </dsp:nvSpPr>
       <dsp:spPr>
         <a:xfrm>
-          <a:off x="177696" y="2302636"/>
-          <a:ext cx="2446875" cy="890467"/>
+          <a:off x="2332" y="2177894"/>
+          <a:ext cx="1944843" cy="897084"/>
         </a:xfrm>
         <a:prstGeom prst="rect">
           <a:avLst/>
@@ -8907,7 +9021,7 @@
         </a:bodyPr>
         <a:lstStyle/>
         <a:p>
-          <a:pPr marL="0" lvl="0" indent="0" algn="l" defTabSz="488950">
+          <a:pPr marL="0" lvl="0" indent="0" algn="ctr" defTabSz="488950">
             <a:lnSpc>
               <a:spcPct val="100000"/>
             </a:lnSpc>
@@ -8920,12 +9034,13 @@
             <a:buNone/>
           </a:pPr>
           <a:r>
-            <a:rPr lang="en-US" sz="1100" kern="1200" dirty="0"/>
+            <a:rPr lang="en-US" sz="1100" kern="1200"/>
             <a:t>Graphics?</a:t>
           </a:r>
+          <a:endParaRPr lang="en-US" sz="1100" kern="1200" dirty="0"/>
         </a:p>
         <a:p>
-          <a:pPr marL="0" lvl="0" indent="0" algn="l" defTabSz="488950">
+          <a:pPr marL="0" lvl="0" indent="0" algn="ctr" defTabSz="488950">
             <a:lnSpc>
               <a:spcPct val="100000"/>
             </a:lnSpc>
@@ -8938,12 +9053,13 @@
             <a:buNone/>
           </a:pPr>
           <a:r>
-            <a:rPr lang="en-US" sz="1100" kern="1200" dirty="0"/>
+            <a:rPr lang="en-US" sz="1100" kern="1200"/>
             <a:t>Audio?</a:t>
           </a:r>
+          <a:endParaRPr lang="en-US" sz="1100" kern="1200" dirty="0"/>
         </a:p>
         <a:p>
-          <a:pPr marL="0" lvl="0" indent="0" algn="l" defTabSz="488950">
+          <a:pPr marL="0" lvl="0" indent="0" algn="ctr" defTabSz="488950">
             <a:lnSpc>
               <a:spcPct val="100000"/>
             </a:lnSpc>
@@ -8956,12 +9072,13 @@
             <a:buNone/>
           </a:pPr>
           <a:r>
-            <a:rPr lang="en-US" sz="1100" kern="1200" dirty="0"/>
+            <a:rPr lang="en-US" sz="1100" kern="1200"/>
             <a:t>128-bit processor?</a:t>
           </a:r>
+          <a:endParaRPr lang="en-US" sz="1100" kern="1200" dirty="0"/>
         </a:p>
         <a:p>
-          <a:pPr marL="0" lvl="0" indent="0" algn="l" defTabSz="488950">
+          <a:pPr marL="0" lvl="0" indent="0" algn="ctr" defTabSz="488950">
             <a:lnSpc>
               <a:spcPct val="100000"/>
             </a:lnSpc>
@@ -8980,19 +9097,19 @@
         </a:p>
       </dsp:txBody>
       <dsp:txXfrm>
-        <a:off x="177696" y="2302636"/>
-        <a:ext cx="2446875" cy="890467"/>
+        <a:off x="2332" y="2177894"/>
+        <a:ext cx="1944843" cy="897084"/>
       </dsp:txXfrm>
     </dsp:sp>
-    <dsp:sp modelId="{FE764965-5AD2-4DF2-9717-F7F70221A4BA}">
+    <dsp:sp modelId="{B959B6B3-8FE5-4390-88AD-F9970D07D8C8}">
       <dsp:nvSpPr>
         <dsp:cNvPr id="0" name=""/>
         <dsp:cNvSpPr/>
       </dsp:nvSpPr>
       <dsp:spPr>
         <a:xfrm>
-          <a:off x="3389996" y="838409"/>
-          <a:ext cx="856406" cy="856406"/>
+          <a:off x="2919597" y="904645"/>
+          <a:ext cx="680695" cy="680695"/>
         </a:xfrm>
         <a:prstGeom prst="rect">
           <a:avLst/>
@@ -9041,15 +9158,15 @@
         </a:fontRef>
       </dsp:style>
     </dsp:sp>
-    <dsp:sp modelId="{554F6120-1FD0-473F-B5B2-F081CA1C6C04}">
+    <dsp:sp modelId="{D88C8D4A-C6EF-4530-AAB6-D06B84D48ABD}">
       <dsp:nvSpPr>
         <dsp:cNvPr id="0" name=""/>
         <dsp:cNvSpPr/>
       </dsp:nvSpPr>
       <dsp:spPr>
         <a:xfrm>
-          <a:off x="2884160" y="1776051"/>
-          <a:ext cx="2446875" cy="447319"/>
+          <a:off x="2287523" y="1678665"/>
+          <a:ext cx="1944843" cy="455822"/>
         </a:xfrm>
         <a:prstGeom prst="rect">
           <a:avLst/>
@@ -9078,7 +9195,7 @@
         </a:bodyPr>
         <a:lstStyle/>
         <a:p>
-          <a:pPr marL="0" lvl="0" indent="0" algn="l" defTabSz="622300">
+          <a:pPr marL="0" lvl="0" indent="0" algn="ctr" defTabSz="622300">
             <a:lnSpc>
               <a:spcPct val="100000"/>
             </a:lnSpc>
@@ -9095,22 +9212,23 @@
             <a:rPr lang="en-US" sz="1400" kern="1200"/>
             <a:t>Scheduling times to work together</a:t>
           </a:r>
+          <a:endParaRPr lang="en-US" sz="1400" kern="1200" dirty="0"/>
         </a:p>
       </dsp:txBody>
       <dsp:txXfrm>
-        <a:off x="2884160" y="1776051"/>
-        <a:ext cx="2446875" cy="447319"/>
+        <a:off x="2287523" y="1678665"/>
+        <a:ext cx="1944843" cy="455822"/>
       </dsp:txXfrm>
     </dsp:sp>
-    <dsp:sp modelId="{7114EDA1-8444-48AA-8BB0-E75A8E34C810}">
+    <dsp:sp modelId="{F3FF3D9F-00A3-4A8D-B109-CD2F95CB4EE5}">
       <dsp:nvSpPr>
         <dsp:cNvPr id="0" name=""/>
         <dsp:cNvSpPr/>
       </dsp:nvSpPr>
       <dsp:spPr>
         <a:xfrm>
-          <a:off x="2884160" y="2270205"/>
-          <a:ext cx="2446875" cy="890467"/>
+          <a:off x="2287523" y="2177894"/>
+          <a:ext cx="1944843" cy="897084"/>
         </a:xfrm>
         <a:prstGeom prst="rect">
           <a:avLst/>
@@ -9134,15 +9252,15 @@
         <a:fontRef idx="minor"/>
       </dsp:style>
     </dsp:sp>
-    <dsp:sp modelId="{FCAD0D83-F61C-4C1D-BCC8-85AD8B29E5D0}">
+    <dsp:sp modelId="{23A1A9C7-B47C-4BB6-8B67-543FB043816B}">
       <dsp:nvSpPr>
         <dsp:cNvPr id="0" name=""/>
         <dsp:cNvSpPr/>
       </dsp:nvSpPr>
       <dsp:spPr>
         <a:xfrm>
-          <a:off x="6375328" y="818951"/>
-          <a:ext cx="856406" cy="856406"/>
+          <a:off x="9807188" y="875852"/>
+          <a:ext cx="680695" cy="680695"/>
         </a:xfrm>
         <a:prstGeom prst="rect">
           <a:avLst/>
@@ -9191,15 +9309,15 @@
         </a:fontRef>
       </dsp:style>
     </dsp:sp>
-    <dsp:sp modelId="{51D23115-C54B-4109-8E10-104D8B443119}">
+    <dsp:sp modelId="{86825464-570C-4D80-81B8-5C8F205F53B6}">
       <dsp:nvSpPr>
         <dsp:cNvPr id="0" name=""/>
         <dsp:cNvSpPr/>
       </dsp:nvSpPr>
       <dsp:spPr>
         <a:xfrm>
-          <a:off x="5759238" y="1776051"/>
-          <a:ext cx="2446875" cy="447319"/>
+          <a:off x="4572715" y="1678665"/>
+          <a:ext cx="1944843" cy="455822"/>
         </a:xfrm>
         <a:prstGeom prst="rect">
           <a:avLst/>
@@ -9228,7 +9346,7 @@
         </a:bodyPr>
         <a:lstStyle/>
         <a:p>
-          <a:pPr marL="0" lvl="0" indent="0" algn="l" defTabSz="622300">
+          <a:pPr marL="0" lvl="0" indent="0" algn="ctr" defTabSz="622300">
             <a:lnSpc>
               <a:spcPct val="100000"/>
             </a:lnSpc>
@@ -9243,24 +9361,25 @@
           </a:pPr>
           <a:r>
             <a:rPr lang="en-US" sz="1400" kern="1200"/>
-            <a:t>Choosing instruction formats</a:t>
+            <a:t>Writing the compiler</a:t>
           </a:r>
+          <a:endParaRPr lang="en-US" sz="1400" kern="1200" dirty="0"/>
         </a:p>
       </dsp:txBody>
       <dsp:txXfrm>
-        <a:off x="5759238" y="1776051"/>
-        <a:ext cx="2446875" cy="447319"/>
+        <a:off x="4572715" y="1678665"/>
+        <a:ext cx="1944843" cy="455822"/>
       </dsp:txXfrm>
     </dsp:sp>
-    <dsp:sp modelId="{9378C7FB-20F7-4BB3-9CB8-B7A33E812D9C}">
+    <dsp:sp modelId="{23B6CAB8-495E-462D-9600-32AF205956A5}">
       <dsp:nvSpPr>
         <dsp:cNvPr id="0" name=""/>
         <dsp:cNvSpPr/>
       </dsp:nvSpPr>
       <dsp:spPr>
         <a:xfrm>
-          <a:off x="5759238" y="2270205"/>
-          <a:ext cx="2446875" cy="890467"/>
+          <a:off x="4572715" y="2177894"/>
+          <a:ext cx="1944843" cy="897084"/>
         </a:xfrm>
         <a:prstGeom prst="rect">
           <a:avLst/>
@@ -9284,15 +9403,15 @@
         <a:fontRef idx="minor"/>
       </dsp:style>
     </dsp:sp>
-    <dsp:sp modelId="{3DAA8307-8B68-444E-A604-5E0A785B1090}">
+    <dsp:sp modelId="{240873E9-AD90-4EB1-A07E-1E35D5F2C3FD}">
       <dsp:nvSpPr>
         <dsp:cNvPr id="0" name=""/>
         <dsp:cNvSpPr/>
       </dsp:nvSpPr>
       <dsp:spPr>
         <a:xfrm>
-          <a:off x="8995985" y="839419"/>
-          <a:ext cx="856406" cy="856406"/>
+          <a:off x="7489980" y="904645"/>
+          <a:ext cx="680695" cy="680695"/>
         </a:xfrm>
         <a:prstGeom prst="rect">
           <a:avLst/>
@@ -9341,15 +9460,15 @@
         </a:fontRef>
       </dsp:style>
     </dsp:sp>
-    <dsp:sp modelId="{FC19D21D-CF15-41FA-9DD2-935F749A53D9}">
+    <dsp:sp modelId="{78DE0C8E-E9AE-44D0-934A-DC6388DFDA72}">
       <dsp:nvSpPr>
         <dsp:cNvPr id="0" name=""/>
         <dsp:cNvSpPr/>
       </dsp:nvSpPr>
       <dsp:spPr>
         <a:xfrm>
-          <a:off x="8634316" y="1776051"/>
-          <a:ext cx="2446875" cy="447319"/>
+          <a:off x="6857906" y="1678665"/>
+          <a:ext cx="1944843" cy="455822"/>
         </a:xfrm>
         <a:prstGeom prst="rect">
           <a:avLst/>
@@ -9378,7 +9497,157 @@
         </a:bodyPr>
         <a:lstStyle/>
         <a:p>
-          <a:pPr marL="0" lvl="0" indent="0" algn="l" defTabSz="622300">
+          <a:pPr marL="0" lvl="0" indent="0" algn="ctr" defTabSz="622300">
+            <a:lnSpc>
+              <a:spcPct val="100000"/>
+            </a:lnSpc>
+            <a:spcBef>
+              <a:spcPct val="0"/>
+            </a:spcBef>
+            <a:spcAft>
+              <a:spcPct val="35000"/>
+            </a:spcAft>
+            <a:buNone/>
+            <a:defRPr b="1"/>
+          </a:pPr>
+          <a:r>
+            <a:rPr lang="en-US" sz="1400" kern="1200"/>
+            <a:t>Choosing instruction formats</a:t>
+          </a:r>
+        </a:p>
+      </dsp:txBody>
+      <dsp:txXfrm>
+        <a:off x="6857906" y="1678665"/>
+        <a:ext cx="1944843" cy="455822"/>
+      </dsp:txXfrm>
+    </dsp:sp>
+    <dsp:sp modelId="{98ADFCE1-2628-43FF-BF4D-4FF8D1F6E92D}">
+      <dsp:nvSpPr>
+        <dsp:cNvPr id="0" name=""/>
+        <dsp:cNvSpPr/>
+      </dsp:nvSpPr>
+      <dsp:spPr>
+        <a:xfrm>
+          <a:off x="6857906" y="2177894"/>
+          <a:ext cx="1944843" cy="897084"/>
+        </a:xfrm>
+        <a:prstGeom prst="rect">
+          <a:avLst/>
+        </a:prstGeom>
+        <a:noFill/>
+        <a:ln>
+          <a:noFill/>
+        </a:ln>
+        <a:effectLst/>
+      </dsp:spPr>
+      <dsp:style>
+        <a:lnRef idx="0">
+          <a:scrgbClr r="0" g="0" b="0"/>
+        </a:lnRef>
+        <a:fillRef idx="0">
+          <a:scrgbClr r="0" g="0" b="0"/>
+        </a:fillRef>
+        <a:effectRef idx="0">
+          <a:scrgbClr r="0" g="0" b="0"/>
+        </a:effectRef>
+        <a:fontRef idx="minor"/>
+      </dsp:style>
+    </dsp:sp>
+    <dsp:sp modelId="{24143385-A857-46AD-8A07-16980F4A93DF}">
+      <dsp:nvSpPr>
+        <dsp:cNvPr id="0" name=""/>
+        <dsp:cNvSpPr/>
+      </dsp:nvSpPr>
+      <dsp:spPr>
+        <a:xfrm>
+          <a:off x="5204786" y="975451"/>
+          <a:ext cx="680695" cy="680695"/>
+        </a:xfrm>
+        <a:prstGeom prst="rect">
+          <a:avLst/>
+        </a:prstGeom>
+        <a:blipFill>
+          <a:blip xmlns:r="http://schemas.openxmlformats.org/officeDocument/2006/relationships" r:embed="rId9">
+            <a:extLst>
+              <a:ext uri="{28A0092B-C50C-407E-A947-70E740481C1C}">
+                <a14:useLocalDpi xmlns:a14="http://schemas.microsoft.com/office/drawing/2010/main" val="0"/>
+              </a:ext>
+              <a:ext uri="{96DAC541-7B7A-43D3-8B79-37D633B846F1}">
+                <asvg:svgBlip xmlns:asvg="http://schemas.microsoft.com/office/drawing/2016/SVG/main" r:embed="rId10"/>
+              </a:ext>
+            </a:extLst>
+          </a:blip>
+          <a:stretch>
+            <a:fillRect/>
+          </a:stretch>
+        </a:blipFill>
+        <a:ln w="12700" cap="flat" cmpd="sng" algn="ctr">
+          <a:solidFill>
+            <a:schemeClr val="lt1">
+              <a:hueOff val="0"/>
+              <a:satOff val="0"/>
+              <a:lumOff val="0"/>
+              <a:alphaOff val="0"/>
+            </a:schemeClr>
+          </a:solidFill>
+          <a:prstDash val="solid"/>
+          <a:miter lim="800000"/>
+        </a:ln>
+        <a:effectLst/>
+      </dsp:spPr>
+      <dsp:style>
+        <a:lnRef idx="2">
+          <a:scrgbClr r="0" g="0" b="0"/>
+        </a:lnRef>
+        <a:fillRef idx="1">
+          <a:scrgbClr r="0" g="0" b="0"/>
+        </a:fillRef>
+        <a:effectRef idx="0">
+          <a:scrgbClr r="0" g="0" b="0"/>
+        </a:effectRef>
+        <a:fontRef idx="minor">
+          <a:schemeClr val="lt1"/>
+        </a:fontRef>
+      </dsp:style>
+    </dsp:sp>
+    <dsp:sp modelId="{83B9228E-641F-42FD-A1B4-7B35FAF40D3B}">
+      <dsp:nvSpPr>
+        <dsp:cNvPr id="0" name=""/>
+        <dsp:cNvSpPr/>
+      </dsp:nvSpPr>
+      <dsp:spPr>
+        <a:xfrm>
+          <a:off x="9143097" y="1678665"/>
+          <a:ext cx="1944843" cy="455822"/>
+        </a:xfrm>
+        <a:prstGeom prst="rect">
+          <a:avLst/>
+        </a:prstGeom>
+        <a:noFill/>
+        <a:ln>
+          <a:noFill/>
+        </a:ln>
+        <a:effectLst/>
+      </dsp:spPr>
+      <dsp:style>
+        <a:lnRef idx="0">
+          <a:scrgbClr r="0" g="0" b="0"/>
+        </a:lnRef>
+        <a:fillRef idx="0">
+          <a:scrgbClr r="0" g="0" b="0"/>
+        </a:fillRef>
+        <a:effectRef idx="0">
+          <a:scrgbClr r="0" g="0" b="0"/>
+        </a:effectRef>
+        <a:fontRef idx="minor"/>
+      </dsp:style>
+      <dsp:txBody>
+        <a:bodyPr spcFirstLastPara="0" vert="horz" wrap="square" lIns="0" tIns="0" rIns="0" bIns="0" numCol="1" spcCol="1270" anchor="t" anchorCtr="0">
+          <a:noAutofit/>
+        </a:bodyPr>
+        <a:lstStyle/>
+        <a:p>
+          <a:pPr marL="0" lvl="0" indent="0" algn="ctr" defTabSz="622300">
             <a:lnSpc>
               <a:spcPct val="100000"/>
             </a:lnSpc>
@@ -9398,19 +9667,19 @@
         </a:p>
       </dsp:txBody>
       <dsp:txXfrm>
-        <a:off x="8634316" y="1776051"/>
-        <a:ext cx="2446875" cy="447319"/>
+        <a:off x="9143097" y="1678665"/>
+        <a:ext cx="1944843" cy="455822"/>
       </dsp:txXfrm>
     </dsp:sp>
-    <dsp:sp modelId="{DA02A1C2-57A8-410E-9C8C-F1A48B8E1859}">
+    <dsp:sp modelId="{25D4A6FA-F964-40FF-8A63-98B12D4F63F5}">
       <dsp:nvSpPr>
         <dsp:cNvPr id="0" name=""/>
         <dsp:cNvSpPr/>
       </dsp:nvSpPr>
       <dsp:spPr>
         <a:xfrm>
-          <a:off x="8634316" y="2270205"/>
-          <a:ext cx="2446875" cy="890467"/>
+          <a:off x="9143097" y="2177894"/>
+          <a:ext cx="1944843" cy="897084"/>
         </a:xfrm>
         <a:prstGeom prst="rect">
           <a:avLst/>
@@ -10514,8 +10783,8 @@
 </file>
 
 <file path=ppt/diagrams/layout5.xml><?xml version="1.0" encoding="utf-8"?>
-<dgm:layoutDef xmlns:dgm="http://schemas.openxmlformats.org/drawingml/2006/diagram" xmlns:a="http://schemas.openxmlformats.org/drawingml/2006/main" uniqueId="urn:microsoft.com/office/officeart/2018/2/layout/IconLabelDescriptionList">
-  <dgm:title val="Icon Label Description List"/>
+<dgm:layoutDef xmlns:dgm="http://schemas.openxmlformats.org/drawingml/2006/diagram" xmlns:a="http://schemas.openxmlformats.org/drawingml/2006/main" uniqueId="urn:microsoft.com/office/officeart/2018/5/layout/CenteredIconLabelDescriptionList">
+  <dgm:title val="Centered Icon Label Description List"/>
   <dgm:desc val="Use to show non-sequential or grouped chunks of information. The placeholder holds an icon or small picture, and corresponding text boxes show Level 1 and Level 2 text respectively. Works well for minimal Level 1 text accompanied by lengthier Level two text."/>
   <dgm:catLst>
     <dgm:cat type="icon" pri="500"/>
@@ -10587,7 +10856,7 @@
         <dgm:constrLst>
           <dgm:constr type="w" for="ch" forName="iconRect" refType="w" fact="0.35"/>
           <dgm:constr type="h" for="ch" forName="iconRect" refType="w" refFor="ch" refForName="iconRect"/>
-          <dgm:constr type="l" for="ch" forName="iconRect"/>
+          <dgm:constr type="ctrX" for="ch" forName="iconRect" refType="w" fact="0.5"/>
           <dgm:constr type="t" for="ch" forName="iconRect"/>
           <dgm:constr type="w" for="ch" forName="iconSpace" refType="w"/>
           <dgm:constr type="h" for="ch" forName="iconSpace" refType="h" fact="0.043"/>
@@ -10633,10 +10902,6 @@
           </dgm:varLst>
           <dgm:alg type="tx">
             <dgm:param type="txAnchorVert" val="t"/>
-            <dgm:param type="parTxLTRAlign" val="l"/>
-            <dgm:param type="shpTxLTRAlignCh" val="l"/>
-            <dgm:param type="parTxRTLAlign" val="r"/>
-            <dgm:param type="shpTxRTLAlignCh" val="r"/>
           </dgm:alg>
           <dgm:shape xmlns:r="http://schemas.openxmlformats.org/officeDocument/2006/relationships" type="rect" r:blip="">
             <dgm:adjLst/>
@@ -10667,10 +10932,6 @@
           <dgm:alg type="tx">
             <dgm:param type="stBulletLvl" val="0"/>
             <dgm:param type="txAnchorVert" val="t"/>
-            <dgm:param type="parTxLTRAlign" val="l"/>
-            <dgm:param type="shpTxLTRAlignCh" val="l"/>
-            <dgm:param type="parTxRTLAlign" val="r"/>
-            <dgm:param type="shpTxRTLAlignCh" val="r"/>
           </dgm:alg>
           <dgm:shape xmlns:r="http://schemas.openxmlformats.org/officeDocument/2006/relationships" type="rect" r:blip="">
             <dgm:adjLst/>
@@ -26665,7 +26926,7 @@
             <p:ph idx="1"/>
             <p:extLst>
               <p:ext uri="{D42A27DB-BD31-4B8C-83A1-F6EECF244321}">
-                <p14:modId xmlns:p14="http://schemas.microsoft.com/office/powerpoint/2010/main" val="893184954"/>
+                <p14:modId xmlns:p14="http://schemas.microsoft.com/office/powerpoint/2010/main" val="424950672"/>
               </p:ext>
             </p:extLst>
           </p:nvPr>
